--- a/Figures/Some figures.pptx
+++ b/Figures/Some figures.pptx
@@ -6,6 +6,7 @@
   </p:sldMasterIdLst>
   <p:sldIdLst>
     <p:sldId id="256" r:id="rId2"/>
+    <p:sldId id="257" r:id="rId3"/>
   </p:sldIdLst>
   <p:sldSz cx="12192000" cy="6858000"/>
   <p:notesSz cx="6858000" cy="9144000"/>
@@ -104,13 +105,18 @@
       </a:defRPr>
     </a:lvl9pPr>
   </p:defaultTextStyle>
+  <p:extLst>
+    <p:ext uri="{EFAFB233-063F-42B5-8137-9DF3F51BA10A}">
+      <p15:sldGuideLst xmlns:p15="http://schemas.microsoft.com/office/powerpoint/2012/main"/>
+    </p:ext>
+  </p:extLst>
 </p:presentation>
 </file>
 
 <file path=ppt/revisionInfo.xml><?xml version="1.0" encoding="utf-8"?>
 <p1510:revInfo xmlns:a="http://schemas.openxmlformats.org/drawingml/2006/main" xmlns:r="http://schemas.openxmlformats.org/officeDocument/2006/relationships" xmlns:p1510="http://schemas.microsoft.com/office/powerpoint/2015/10/main">
   <p1510:revLst>
-    <p1510:client id="{368A2E4A-7CF3-483F-935D-57708C4D5A40}" v="1" dt="2022-09-02T17:17:09.882"/>
+    <p1510:client id="{368A2E4A-7CF3-483F-935D-57708C4D5A40}" v="19" dt="2022-09-19T10:35:00.612"/>
   </p1510:revLst>
 </p1510:revInfo>
 </file>
@@ -119,8 +125,8 @@
 <pc:chgInfo xmlns:a="http://schemas.openxmlformats.org/drawingml/2006/main" xmlns:r="http://schemas.openxmlformats.org/officeDocument/2006/relationships" xmlns:ac="http://schemas.microsoft.com/office/drawing/2013/main/command" xmlns:pc="http://schemas.microsoft.com/office/powerpoint/2013/main/command">
   <pc:docChgLst>
     <pc:chgData name="van Beek, Daan" userId="69819bfa-9738-4b91-9aa7-e76076d95c94" providerId="ADAL" clId="{368A2E4A-7CF3-483F-935D-57708C4D5A40}"/>
-    <pc:docChg chg="modSld">
-      <pc:chgData name="van Beek, Daan" userId="69819bfa-9738-4b91-9aa7-e76076d95c94" providerId="ADAL" clId="{368A2E4A-7CF3-483F-935D-57708C4D5A40}" dt="2022-09-02T17:17:19.878" v="4" actId="14100"/>
+    <pc:docChg chg="undo custSel addSld modSld">
+      <pc:chgData name="van Beek, Daan" userId="69819bfa-9738-4b91-9aa7-e76076d95c94" providerId="ADAL" clId="{368A2E4A-7CF3-483F-935D-57708C4D5A40}" dt="2022-09-19T10:36:12.242" v="424" actId="1076"/>
       <pc:docMkLst>
         <pc:docMk/>
       </pc:docMkLst>
@@ -136,6 +142,397 @@
             <pc:docMk/>
             <pc:sldMk cId="4017008768" sldId="256"/>
             <ac:cxnSpMk id="32" creationId="{6EFCA819-FB04-8085-11FA-2173CBA5AA3E}"/>
+          </ac:cxnSpMkLst>
+        </pc:cxnChg>
+      </pc:sldChg>
+      <pc:sldChg chg="addSp delSp modSp add mod">
+        <pc:chgData name="van Beek, Daan" userId="69819bfa-9738-4b91-9aa7-e76076d95c94" providerId="ADAL" clId="{368A2E4A-7CF3-483F-935D-57708C4D5A40}" dt="2022-09-19T10:36:12.242" v="424" actId="1076"/>
+        <pc:sldMkLst>
+          <pc:docMk/>
+          <pc:sldMk cId="165157762" sldId="257"/>
+        </pc:sldMkLst>
+        <pc:spChg chg="add mod">
+          <ac:chgData name="van Beek, Daan" userId="69819bfa-9738-4b91-9aa7-e76076d95c94" providerId="ADAL" clId="{368A2E4A-7CF3-483F-935D-57708C4D5A40}" dt="2022-09-19T10:06:21.730" v="376" actId="1076"/>
+          <ac:spMkLst>
+            <pc:docMk/>
+            <pc:sldMk cId="165157762" sldId="257"/>
+            <ac:spMk id="2" creationId="{C2B376B5-AFD6-7FB4-CD4F-5D3C5382021F}"/>
+          </ac:spMkLst>
+        </pc:spChg>
+        <pc:spChg chg="add mod">
+          <ac:chgData name="van Beek, Daan" userId="69819bfa-9738-4b91-9aa7-e76076d95c94" providerId="ADAL" clId="{368A2E4A-7CF3-483F-935D-57708C4D5A40}" dt="2022-09-19T10:06:11.730" v="374" actId="1076"/>
+          <ac:spMkLst>
+            <pc:docMk/>
+            <pc:sldMk cId="165157762" sldId="257"/>
+            <ac:spMk id="3" creationId="{D88A070B-6346-BFB0-782F-EC4C09B13FA9}"/>
+          </ac:spMkLst>
+        </pc:spChg>
+        <pc:spChg chg="add mod">
+          <ac:chgData name="van Beek, Daan" userId="69819bfa-9738-4b91-9aa7-e76076d95c94" providerId="ADAL" clId="{368A2E4A-7CF3-483F-935D-57708C4D5A40}" dt="2022-09-19T10:06:17.750" v="375" actId="1076"/>
+          <ac:spMkLst>
+            <pc:docMk/>
+            <pc:sldMk cId="165157762" sldId="257"/>
+            <ac:spMk id="4" creationId="{D0921057-C0F4-497F-E95E-11420AFAAB6F}"/>
+          </ac:spMkLst>
+        </pc:spChg>
+        <pc:spChg chg="add mod">
+          <ac:chgData name="van Beek, Daan" userId="69819bfa-9738-4b91-9aa7-e76076d95c94" providerId="ADAL" clId="{368A2E4A-7CF3-483F-935D-57708C4D5A40}" dt="2022-09-19T09:47:52.469" v="164" actId="6549"/>
+          <ac:spMkLst>
+            <pc:docMk/>
+            <pc:sldMk cId="165157762" sldId="257"/>
+            <ac:spMk id="5" creationId="{31F79109-CBAB-BA62-4FB7-589B60EE77AD}"/>
+          </ac:spMkLst>
+        </pc:spChg>
+        <pc:spChg chg="add mod">
+          <ac:chgData name="van Beek, Daan" userId="69819bfa-9738-4b91-9aa7-e76076d95c94" providerId="ADAL" clId="{368A2E4A-7CF3-483F-935D-57708C4D5A40}" dt="2022-09-19T09:47:59.099" v="176" actId="20577"/>
+          <ac:spMkLst>
+            <pc:docMk/>
+            <pc:sldMk cId="165157762" sldId="257"/>
+            <ac:spMk id="6" creationId="{66C235D5-C7C7-9D55-9A8D-994782E0D218}"/>
+          </ac:spMkLst>
+        </pc:spChg>
+        <pc:spChg chg="add mod">
+          <ac:chgData name="van Beek, Daan" userId="69819bfa-9738-4b91-9aa7-e76076d95c94" providerId="ADAL" clId="{368A2E4A-7CF3-483F-935D-57708C4D5A40}" dt="2022-09-19T10:06:38.252" v="377" actId="1582"/>
+          <ac:spMkLst>
+            <pc:docMk/>
+            <pc:sldMk cId="165157762" sldId="257"/>
+            <ac:spMk id="7" creationId="{190B0AE2-0093-5EAC-6B52-CFD8AB2A5526}"/>
+          </ac:spMkLst>
+        </pc:spChg>
+        <pc:spChg chg="del">
+          <ac:chgData name="van Beek, Daan" userId="69819bfa-9738-4b91-9aa7-e76076d95c94" providerId="ADAL" clId="{368A2E4A-7CF3-483F-935D-57708C4D5A40}" dt="2022-09-19T09:46:35.364" v="72" actId="478"/>
+          <ac:spMkLst>
+            <pc:docMk/>
+            <pc:sldMk cId="165157762" sldId="257"/>
+            <ac:spMk id="8" creationId="{56511895-C2CA-E836-69D6-00A069E00EF5}"/>
+          </ac:spMkLst>
+        </pc:spChg>
+        <pc:spChg chg="add mod">
+          <ac:chgData name="van Beek, Daan" userId="69819bfa-9738-4b91-9aa7-e76076d95c94" providerId="ADAL" clId="{368A2E4A-7CF3-483F-935D-57708C4D5A40}" dt="2022-09-19T10:36:12.242" v="424" actId="1076"/>
+          <ac:spMkLst>
+            <pc:docMk/>
+            <pc:sldMk cId="165157762" sldId="257"/>
+            <ac:spMk id="8" creationId="{A4CDDE4E-8387-8A45-8702-CC72128EFFA2}"/>
+          </ac:spMkLst>
+        </pc:spChg>
+        <pc:spChg chg="add mod">
+          <ac:chgData name="van Beek, Daan" userId="69819bfa-9738-4b91-9aa7-e76076d95c94" providerId="ADAL" clId="{368A2E4A-7CF3-483F-935D-57708C4D5A40}" dt="2022-09-19T09:58:12.325" v="285" actId="1076"/>
+          <ac:spMkLst>
+            <pc:docMk/>
+            <pc:sldMk cId="165157762" sldId="257"/>
+            <ac:spMk id="9" creationId="{92B342CB-E449-8205-9510-2C8D97995C85}"/>
+          </ac:spMkLst>
+        </pc:spChg>
+        <pc:spChg chg="add mod">
+          <ac:chgData name="van Beek, Daan" userId="69819bfa-9738-4b91-9aa7-e76076d95c94" providerId="ADAL" clId="{368A2E4A-7CF3-483F-935D-57708C4D5A40}" dt="2022-09-19T09:58:12.325" v="285" actId="1076"/>
+          <ac:spMkLst>
+            <pc:docMk/>
+            <pc:sldMk cId="165157762" sldId="257"/>
+            <ac:spMk id="10" creationId="{B3FD5E97-98C7-A950-C7C4-F8D14162E7B8}"/>
+          </ac:spMkLst>
+        </pc:spChg>
+        <pc:spChg chg="del">
+          <ac:chgData name="van Beek, Daan" userId="69819bfa-9738-4b91-9aa7-e76076d95c94" providerId="ADAL" clId="{368A2E4A-7CF3-483F-935D-57708C4D5A40}" dt="2022-09-19T09:46:35.364" v="72" actId="478"/>
+          <ac:spMkLst>
+            <pc:docMk/>
+            <pc:sldMk cId="165157762" sldId="257"/>
+            <ac:spMk id="11" creationId="{0280BDB0-B62B-F8CE-BCDC-FABF435AA2AA}"/>
+          </ac:spMkLst>
+        </pc:spChg>
+        <pc:spChg chg="add mod">
+          <ac:chgData name="van Beek, Daan" userId="69819bfa-9738-4b91-9aa7-e76076d95c94" providerId="ADAL" clId="{368A2E4A-7CF3-483F-935D-57708C4D5A40}" dt="2022-09-19T10:36:08.663" v="423" actId="1076"/>
+          <ac:spMkLst>
+            <pc:docMk/>
+            <pc:sldMk cId="165157762" sldId="257"/>
+            <ac:spMk id="11" creationId="{28E9F509-D298-A54F-9FFA-656F3286377D}"/>
+          </ac:spMkLst>
+        </pc:spChg>
+        <pc:spChg chg="add mod">
+          <ac:chgData name="van Beek, Daan" userId="69819bfa-9738-4b91-9aa7-e76076d95c94" providerId="ADAL" clId="{368A2E4A-7CF3-483F-935D-57708C4D5A40}" dt="2022-09-19T10:36:04.122" v="422" actId="1076"/>
+          <ac:spMkLst>
+            <pc:docMk/>
+            <pc:sldMk cId="165157762" sldId="257"/>
+            <ac:spMk id="12" creationId="{7611502D-E015-3760-1DA8-BA362E60A191}"/>
+          </ac:spMkLst>
+        </pc:spChg>
+        <pc:spChg chg="del">
+          <ac:chgData name="van Beek, Daan" userId="69819bfa-9738-4b91-9aa7-e76076d95c94" providerId="ADAL" clId="{368A2E4A-7CF3-483F-935D-57708C4D5A40}" dt="2022-09-19T09:46:35.364" v="72" actId="478"/>
+          <ac:spMkLst>
+            <pc:docMk/>
+            <pc:sldMk cId="165157762" sldId="257"/>
+            <ac:spMk id="12" creationId="{C04ED584-A464-1540-FBEE-6C9DE44070BF}"/>
+          </ac:spMkLst>
+        </pc:spChg>
+        <pc:spChg chg="mod">
+          <ac:chgData name="van Beek, Daan" userId="69819bfa-9738-4b91-9aa7-e76076d95c94" providerId="ADAL" clId="{368A2E4A-7CF3-483F-935D-57708C4D5A40}" dt="2022-09-19T09:47:41.269" v="146" actId="1076"/>
+          <ac:spMkLst>
+            <pc:docMk/>
+            <pc:sldMk cId="165157762" sldId="257"/>
+            <ac:spMk id="13" creationId="{92C67011-AC33-CBF2-19A2-DD02793F6CB4}"/>
+          </ac:spMkLst>
+        </pc:spChg>
+        <pc:spChg chg="add mod">
+          <ac:chgData name="van Beek, Daan" userId="69819bfa-9738-4b91-9aa7-e76076d95c94" providerId="ADAL" clId="{368A2E4A-7CF3-483F-935D-57708C4D5A40}" dt="2022-09-19T10:36:04.122" v="422" actId="1076"/>
+          <ac:spMkLst>
+            <pc:docMk/>
+            <pc:sldMk cId="165157762" sldId="257"/>
+            <ac:spMk id="14" creationId="{253F84A4-BE20-A106-5F6D-73A0534199CC}"/>
+          </ac:spMkLst>
+        </pc:spChg>
+        <pc:spChg chg="del">
+          <ac:chgData name="van Beek, Daan" userId="69819bfa-9738-4b91-9aa7-e76076d95c94" providerId="ADAL" clId="{368A2E4A-7CF3-483F-935D-57708C4D5A40}" dt="2022-09-19T09:46:35.364" v="72" actId="478"/>
+          <ac:spMkLst>
+            <pc:docMk/>
+            <pc:sldMk cId="165157762" sldId="257"/>
+            <ac:spMk id="14" creationId="{48716DFA-BB85-B4DA-C38F-1F310231420B}"/>
+          </ac:spMkLst>
+        </pc:spChg>
+        <pc:spChg chg="add mod">
+          <ac:chgData name="van Beek, Daan" userId="69819bfa-9738-4b91-9aa7-e76076d95c94" providerId="ADAL" clId="{368A2E4A-7CF3-483F-935D-57708C4D5A40}" dt="2022-09-19T10:35:13.421" v="418" actId="1076"/>
+          <ac:spMkLst>
+            <pc:docMk/>
+            <pc:sldMk cId="165157762" sldId="257"/>
+            <ac:spMk id="15" creationId="{4E62AF2B-F28D-772B-9F33-FC92C728184E}"/>
+          </ac:spMkLst>
+        </pc:spChg>
+        <pc:spChg chg="del mod">
+          <ac:chgData name="van Beek, Daan" userId="69819bfa-9738-4b91-9aa7-e76076d95c94" providerId="ADAL" clId="{368A2E4A-7CF3-483F-935D-57708C4D5A40}" dt="2022-09-19T09:46:35.364" v="72" actId="478"/>
+          <ac:spMkLst>
+            <pc:docMk/>
+            <pc:sldMk cId="165157762" sldId="257"/>
+            <ac:spMk id="15" creationId="{F655B121-B155-972A-7E5D-0DAAEAF94539}"/>
+          </ac:spMkLst>
+        </pc:spChg>
+        <pc:spChg chg="add mod">
+          <ac:chgData name="van Beek, Daan" userId="69819bfa-9738-4b91-9aa7-e76076d95c94" providerId="ADAL" clId="{368A2E4A-7CF3-483F-935D-57708C4D5A40}" dt="2022-09-19T09:58:12.325" v="285" actId="1076"/>
+          <ac:spMkLst>
+            <pc:docMk/>
+            <pc:sldMk cId="165157762" sldId="257"/>
+            <ac:spMk id="16" creationId="{87E93FB6-30AB-5B4B-EED7-51699459CD22}"/>
+          </ac:spMkLst>
+        </pc:spChg>
+        <pc:spChg chg="add mod">
+          <ac:chgData name="van Beek, Daan" userId="69819bfa-9738-4b91-9aa7-e76076d95c94" providerId="ADAL" clId="{368A2E4A-7CF3-483F-935D-57708C4D5A40}" dt="2022-09-19T09:58:12.325" v="285" actId="1076"/>
+          <ac:spMkLst>
+            <pc:docMk/>
+            <pc:sldMk cId="165157762" sldId="257"/>
+            <ac:spMk id="17" creationId="{0E1D563C-2AE8-2C84-7E9B-8BD619D4ED0B}"/>
+          </ac:spMkLst>
+        </pc:spChg>
+        <pc:spChg chg="add del">
+          <ac:chgData name="van Beek, Daan" userId="69819bfa-9738-4b91-9aa7-e76076d95c94" providerId="ADAL" clId="{368A2E4A-7CF3-483F-935D-57708C4D5A40}" dt="2022-09-19T09:52:56.719" v="271" actId="11529"/>
+          <ac:spMkLst>
+            <pc:docMk/>
+            <pc:sldMk cId="165157762" sldId="257"/>
+            <ac:spMk id="30" creationId="{CBE76757-831C-3115-24FD-E2568CDCE8BC}"/>
+          </ac:spMkLst>
+        </pc:spChg>
+        <pc:spChg chg="add mod">
+          <ac:chgData name="van Beek, Daan" userId="69819bfa-9738-4b91-9aa7-e76076d95c94" providerId="ADAL" clId="{368A2E4A-7CF3-483F-935D-57708C4D5A40}" dt="2022-09-19T10:35:13.421" v="418" actId="1076"/>
+          <ac:spMkLst>
+            <pc:docMk/>
+            <pc:sldMk cId="165157762" sldId="257"/>
+            <ac:spMk id="53" creationId="{3E0DD876-1E40-14B4-B451-FF638EF43756}"/>
+          </ac:spMkLst>
+        </pc:spChg>
+        <pc:spChg chg="add mod">
+          <ac:chgData name="van Beek, Daan" userId="69819bfa-9738-4b91-9aa7-e76076d95c94" providerId="ADAL" clId="{368A2E4A-7CF3-483F-935D-57708C4D5A40}" dt="2022-09-19T10:35:13.421" v="418" actId="1076"/>
+          <ac:spMkLst>
+            <pc:docMk/>
+            <pc:sldMk cId="165157762" sldId="257"/>
+            <ac:spMk id="54" creationId="{2C3046BC-900B-07CD-CA02-7AA9C8DAB933}"/>
+          </ac:spMkLst>
+        </pc:spChg>
+        <pc:spChg chg="add mod">
+          <ac:chgData name="van Beek, Daan" userId="69819bfa-9738-4b91-9aa7-e76076d95c94" providerId="ADAL" clId="{368A2E4A-7CF3-483F-935D-57708C4D5A40}" dt="2022-09-19T10:35:13.421" v="418" actId="1076"/>
+          <ac:spMkLst>
+            <pc:docMk/>
+            <pc:sldMk cId="165157762" sldId="257"/>
+            <ac:spMk id="55" creationId="{26AB26EC-A40E-7B60-BA88-430FC433E2D1}"/>
+          </ac:spMkLst>
+        </pc:spChg>
+        <pc:spChg chg="add del">
+          <ac:chgData name="van Beek, Daan" userId="69819bfa-9738-4b91-9aa7-e76076d95c94" providerId="ADAL" clId="{368A2E4A-7CF3-483F-935D-57708C4D5A40}" dt="2022-09-19T10:02:22.764" v="353" actId="11529"/>
+          <ac:spMkLst>
+            <pc:docMk/>
+            <pc:sldMk cId="165157762" sldId="257"/>
+            <ac:spMk id="78" creationId="{A2517D35-8CBF-58ED-F3A9-AD9DCB308710}"/>
+          </ac:spMkLst>
+        </pc:spChg>
+        <pc:cxnChg chg="del mod">
+          <ac:chgData name="van Beek, Daan" userId="69819bfa-9738-4b91-9aa7-e76076d95c94" providerId="ADAL" clId="{368A2E4A-7CF3-483F-935D-57708C4D5A40}" dt="2022-09-19T09:46:35.364" v="72" actId="478"/>
+          <ac:cxnSpMkLst>
+            <pc:docMk/>
+            <pc:sldMk cId="165157762" sldId="257"/>
+            <ac:cxnSpMk id="19" creationId="{E25F8EAA-2344-20BB-882D-E38B0C79F555}"/>
+          </ac:cxnSpMkLst>
+        </pc:cxnChg>
+        <pc:cxnChg chg="add mod">
+          <ac:chgData name="van Beek, Daan" userId="69819bfa-9738-4b91-9aa7-e76076d95c94" providerId="ADAL" clId="{368A2E4A-7CF3-483F-935D-57708C4D5A40}" dt="2022-09-19T09:58:12.325" v="285" actId="1076"/>
+          <ac:cxnSpMkLst>
+            <pc:docMk/>
+            <pc:sldMk cId="165157762" sldId="257"/>
+            <ac:cxnSpMk id="20" creationId="{852FB10B-7B58-D030-B9AF-A2F5B04D2595}"/>
+          </ac:cxnSpMkLst>
+        </pc:cxnChg>
+        <pc:cxnChg chg="del mod">
+          <ac:chgData name="van Beek, Daan" userId="69819bfa-9738-4b91-9aa7-e76076d95c94" providerId="ADAL" clId="{368A2E4A-7CF3-483F-935D-57708C4D5A40}" dt="2022-09-19T09:46:35.364" v="72" actId="478"/>
+          <ac:cxnSpMkLst>
+            <pc:docMk/>
+            <pc:sldMk cId="165157762" sldId="257"/>
+            <ac:cxnSpMk id="21" creationId="{66E8802F-3A79-8330-1AE0-7B74E8EEE1C9}"/>
+          </ac:cxnSpMkLst>
+        </pc:cxnChg>
+        <pc:cxnChg chg="del mod">
+          <ac:chgData name="van Beek, Daan" userId="69819bfa-9738-4b91-9aa7-e76076d95c94" providerId="ADAL" clId="{368A2E4A-7CF3-483F-935D-57708C4D5A40}" dt="2022-09-19T09:46:35.364" v="72" actId="478"/>
+          <ac:cxnSpMkLst>
+            <pc:docMk/>
+            <pc:sldMk cId="165157762" sldId="257"/>
+            <ac:cxnSpMk id="23" creationId="{E8F06E70-2FD1-EA23-D2B2-805B1B710660}"/>
+          </ac:cxnSpMkLst>
+        </pc:cxnChg>
+        <pc:cxnChg chg="add mod">
+          <ac:chgData name="van Beek, Daan" userId="69819bfa-9738-4b91-9aa7-e76076d95c94" providerId="ADAL" clId="{368A2E4A-7CF3-483F-935D-57708C4D5A40}" dt="2022-09-19T09:58:12.325" v="285" actId="1076"/>
+          <ac:cxnSpMkLst>
+            <pc:docMk/>
+            <pc:sldMk cId="165157762" sldId="257"/>
+            <ac:cxnSpMk id="24" creationId="{06429288-0DB1-34D6-2114-10400A866114}"/>
+          </ac:cxnSpMkLst>
+        </pc:cxnChg>
+        <pc:cxnChg chg="del mod">
+          <ac:chgData name="van Beek, Daan" userId="69819bfa-9738-4b91-9aa7-e76076d95c94" providerId="ADAL" clId="{368A2E4A-7CF3-483F-935D-57708C4D5A40}" dt="2022-09-19T09:46:35.364" v="72" actId="478"/>
+          <ac:cxnSpMkLst>
+            <pc:docMk/>
+            <pc:sldMk cId="165157762" sldId="257"/>
+            <ac:cxnSpMk id="25" creationId="{DAC050BD-C88C-3BF6-19BE-744472DD7403}"/>
+          </ac:cxnSpMkLst>
+        </pc:cxnChg>
+        <pc:cxnChg chg="del mod">
+          <ac:chgData name="van Beek, Daan" userId="69819bfa-9738-4b91-9aa7-e76076d95c94" providerId="ADAL" clId="{368A2E4A-7CF3-483F-935D-57708C4D5A40}" dt="2022-09-19T09:46:35.364" v="72" actId="478"/>
+          <ac:cxnSpMkLst>
+            <pc:docMk/>
+            <pc:sldMk cId="165157762" sldId="257"/>
+            <ac:cxnSpMk id="27" creationId="{8CC19D5B-7DEC-4AE9-82F5-136CA2BCF915}"/>
+          </ac:cxnSpMkLst>
+        </pc:cxnChg>
+        <pc:cxnChg chg="add mod">
+          <ac:chgData name="van Beek, Daan" userId="69819bfa-9738-4b91-9aa7-e76076d95c94" providerId="ADAL" clId="{368A2E4A-7CF3-483F-935D-57708C4D5A40}" dt="2022-09-19T10:05:29.400" v="363" actId="208"/>
+          <ac:cxnSpMkLst>
+            <pc:docMk/>
+            <pc:sldMk cId="165157762" sldId="257"/>
+            <ac:cxnSpMk id="28" creationId="{5EC58FF3-9594-FB78-327E-6BABF0F538F1}"/>
+          </ac:cxnSpMkLst>
+        </pc:cxnChg>
+        <pc:cxnChg chg="del mod">
+          <ac:chgData name="van Beek, Daan" userId="69819bfa-9738-4b91-9aa7-e76076d95c94" providerId="ADAL" clId="{368A2E4A-7CF3-483F-935D-57708C4D5A40}" dt="2022-09-19T09:46:35.364" v="72" actId="478"/>
+          <ac:cxnSpMkLst>
+            <pc:docMk/>
+            <pc:sldMk cId="165157762" sldId="257"/>
+            <ac:cxnSpMk id="29" creationId="{50F2751D-2CA1-2598-119F-01354F469E1B}"/>
+          </ac:cxnSpMkLst>
+        </pc:cxnChg>
+        <pc:cxnChg chg="del mod">
+          <ac:chgData name="van Beek, Daan" userId="69819bfa-9738-4b91-9aa7-e76076d95c94" providerId="ADAL" clId="{368A2E4A-7CF3-483F-935D-57708C4D5A40}" dt="2022-09-19T09:46:35.364" v="72" actId="478"/>
+          <ac:cxnSpMkLst>
+            <pc:docMk/>
+            <pc:sldMk cId="165157762" sldId="257"/>
+            <ac:cxnSpMk id="31" creationId="{F1ACA6EC-902B-3416-71E0-288C151752F4}"/>
+          </ac:cxnSpMkLst>
+        </pc:cxnChg>
+        <pc:cxnChg chg="del mod">
+          <ac:chgData name="van Beek, Daan" userId="69819bfa-9738-4b91-9aa7-e76076d95c94" providerId="ADAL" clId="{368A2E4A-7CF3-483F-935D-57708C4D5A40}" dt="2022-09-19T09:46:35.364" v="72" actId="478"/>
+          <ac:cxnSpMkLst>
+            <pc:docMk/>
+            <pc:sldMk cId="165157762" sldId="257"/>
+            <ac:cxnSpMk id="32" creationId="{6EFCA819-FB04-8085-11FA-2173CBA5AA3E}"/>
+          </ac:cxnSpMkLst>
+        </pc:cxnChg>
+        <pc:cxnChg chg="add mod">
+          <ac:chgData name="van Beek, Daan" userId="69819bfa-9738-4b91-9aa7-e76076d95c94" providerId="ADAL" clId="{368A2E4A-7CF3-483F-935D-57708C4D5A40}" dt="2022-09-19T10:05:29.400" v="363" actId="208"/>
+          <ac:cxnSpMkLst>
+            <pc:docMk/>
+            <pc:sldMk cId="165157762" sldId="257"/>
+            <ac:cxnSpMk id="34" creationId="{DC761B18-2148-D307-80DB-06C5D480F649}"/>
+          </ac:cxnSpMkLst>
+        </pc:cxnChg>
+        <pc:cxnChg chg="add mod">
+          <ac:chgData name="van Beek, Daan" userId="69819bfa-9738-4b91-9aa7-e76076d95c94" providerId="ADAL" clId="{368A2E4A-7CF3-483F-935D-57708C4D5A40}" dt="2022-09-19T10:05:38.923" v="364" actId="14100"/>
+          <ac:cxnSpMkLst>
+            <pc:docMk/>
+            <pc:sldMk cId="165157762" sldId="257"/>
+            <ac:cxnSpMk id="36" creationId="{3B2A00BE-8F99-FE1B-C96A-5DD8BC33F668}"/>
+          </ac:cxnSpMkLst>
+        </pc:cxnChg>
+        <pc:cxnChg chg="add mod">
+          <ac:chgData name="van Beek, Daan" userId="69819bfa-9738-4b91-9aa7-e76076d95c94" providerId="ADAL" clId="{368A2E4A-7CF3-483F-935D-57708C4D5A40}" dt="2022-09-19T10:05:29.400" v="363" actId="208"/>
+          <ac:cxnSpMkLst>
+            <pc:docMk/>
+            <pc:sldMk cId="165157762" sldId="257"/>
+            <ac:cxnSpMk id="38" creationId="{C58B6B41-919D-2037-3D23-9E9E8A8F9EDE}"/>
+          </ac:cxnSpMkLst>
+        </pc:cxnChg>
+        <pc:cxnChg chg="add mod">
+          <ac:chgData name="van Beek, Daan" userId="69819bfa-9738-4b91-9aa7-e76076d95c94" providerId="ADAL" clId="{368A2E4A-7CF3-483F-935D-57708C4D5A40}" dt="2022-09-19T10:05:29.400" v="363" actId="208"/>
+          <ac:cxnSpMkLst>
+            <pc:docMk/>
+            <pc:sldMk cId="165157762" sldId="257"/>
+            <ac:cxnSpMk id="40" creationId="{80DC8808-4535-8C78-0C7D-A1B9F8996FFD}"/>
+          </ac:cxnSpMkLst>
+        </pc:cxnChg>
+        <pc:cxnChg chg="add del mod">
+          <ac:chgData name="van Beek, Daan" userId="69819bfa-9738-4b91-9aa7-e76076d95c94" providerId="ADAL" clId="{368A2E4A-7CF3-483F-935D-57708C4D5A40}" dt="2022-09-19T09:59:26.170" v="309" actId="21"/>
+          <ac:cxnSpMkLst>
+            <pc:docMk/>
+            <pc:sldMk cId="165157762" sldId="257"/>
+            <ac:cxnSpMk id="57" creationId="{CA6827FF-E62A-DB88-E1AA-D059171E7E32}"/>
+          </ac:cxnSpMkLst>
+        </pc:cxnChg>
+        <pc:cxnChg chg="add mod">
+          <ac:chgData name="van Beek, Daan" userId="69819bfa-9738-4b91-9aa7-e76076d95c94" providerId="ADAL" clId="{368A2E4A-7CF3-483F-935D-57708C4D5A40}" dt="2022-09-19T10:35:13.421" v="418" actId="1076"/>
+          <ac:cxnSpMkLst>
+            <pc:docMk/>
+            <pc:sldMk cId="165157762" sldId="257"/>
+            <ac:cxnSpMk id="59" creationId="{8BA1AEAF-3F50-570E-2B29-43BF34B63FBF}"/>
+          </ac:cxnSpMkLst>
+        </pc:cxnChg>
+        <pc:cxnChg chg="add mod">
+          <ac:chgData name="van Beek, Daan" userId="69819bfa-9738-4b91-9aa7-e76076d95c94" providerId="ADAL" clId="{368A2E4A-7CF3-483F-935D-57708C4D5A40}" dt="2022-09-19T10:35:13.421" v="418" actId="1076"/>
+          <ac:cxnSpMkLst>
+            <pc:docMk/>
+            <pc:sldMk cId="165157762" sldId="257"/>
+            <ac:cxnSpMk id="64" creationId="{33B89F72-2092-2D10-17DA-A88C29C8E0A0}"/>
+          </ac:cxnSpMkLst>
+        </pc:cxnChg>
+        <pc:cxnChg chg="add mod">
+          <ac:chgData name="van Beek, Daan" userId="69819bfa-9738-4b91-9aa7-e76076d95c94" providerId="ADAL" clId="{368A2E4A-7CF3-483F-935D-57708C4D5A40}" dt="2022-09-19T10:35:13.421" v="418" actId="1076"/>
+          <ac:cxnSpMkLst>
+            <pc:docMk/>
+            <pc:sldMk cId="165157762" sldId="257"/>
+            <ac:cxnSpMk id="66" creationId="{22293496-852A-2726-8BE9-E7EE7771E4F3}"/>
+          </ac:cxnSpMkLst>
+        </pc:cxnChg>
+        <pc:cxnChg chg="add mod">
+          <ac:chgData name="van Beek, Daan" userId="69819bfa-9738-4b91-9aa7-e76076d95c94" providerId="ADAL" clId="{368A2E4A-7CF3-483F-935D-57708C4D5A40}" dt="2022-09-19T10:05:29.400" v="363" actId="208"/>
+          <ac:cxnSpMkLst>
+            <pc:docMk/>
+            <pc:sldMk cId="165157762" sldId="257"/>
+            <ac:cxnSpMk id="68" creationId="{C1126F96-D479-1A2E-24CC-3B1664ABD703}"/>
+          </ac:cxnSpMkLst>
+        </pc:cxnChg>
+        <pc:cxnChg chg="add del mod">
+          <ac:chgData name="van Beek, Daan" userId="69819bfa-9738-4b91-9aa7-e76076d95c94" providerId="ADAL" clId="{368A2E4A-7CF3-483F-935D-57708C4D5A40}" dt="2022-09-19T10:00:20.870" v="321" actId="11529"/>
+          <ac:cxnSpMkLst>
+            <pc:docMk/>
+            <pc:sldMk cId="165157762" sldId="257"/>
+            <ac:cxnSpMk id="71" creationId="{8EF6D3E4-4A1F-0340-E950-05BCE94B3092}"/>
+          </ac:cxnSpMkLst>
+        </pc:cxnChg>
+        <pc:cxnChg chg="add mod">
+          <ac:chgData name="van Beek, Daan" userId="69819bfa-9738-4b91-9aa7-e76076d95c94" providerId="ADAL" clId="{368A2E4A-7CF3-483F-935D-57708C4D5A40}" dt="2022-09-19T10:35:13.421" v="418" actId="1076"/>
+          <ac:cxnSpMkLst>
+            <pc:docMk/>
+            <pc:sldMk cId="165157762" sldId="257"/>
+            <ac:cxnSpMk id="73" creationId="{BC7ED85F-B679-99A0-C2A3-F85C2040D06A}"/>
           </ac:cxnSpMkLst>
         </pc:cxnChg>
       </pc:sldChg>
@@ -293,7 +690,7 @@
           <a:p>
             <a:fld id="{2EDE32A1-5209-4E90-A92C-A8457960B04D}" type="datetimeFigureOut">
               <a:rPr lang="en-GB" smtClean="0"/>
-              <a:t>02/09/2022</a:t>
+              <a:t>19/09/2022</a:t>
             </a:fld>
             <a:endParaRPr lang="en-GB"/>
           </a:p>
@@ -493,7 +890,7 @@
           <a:p>
             <a:fld id="{2EDE32A1-5209-4E90-A92C-A8457960B04D}" type="datetimeFigureOut">
               <a:rPr lang="en-GB" smtClean="0"/>
-              <a:t>02/09/2022</a:t>
+              <a:t>19/09/2022</a:t>
             </a:fld>
             <a:endParaRPr lang="en-GB"/>
           </a:p>
@@ -703,7 +1100,7 @@
           <a:p>
             <a:fld id="{2EDE32A1-5209-4E90-A92C-A8457960B04D}" type="datetimeFigureOut">
               <a:rPr lang="en-GB" smtClean="0"/>
-              <a:t>02/09/2022</a:t>
+              <a:t>19/09/2022</a:t>
             </a:fld>
             <a:endParaRPr lang="en-GB"/>
           </a:p>
@@ -903,7 +1300,7 @@
           <a:p>
             <a:fld id="{2EDE32A1-5209-4E90-A92C-A8457960B04D}" type="datetimeFigureOut">
               <a:rPr lang="en-GB" smtClean="0"/>
-              <a:t>02/09/2022</a:t>
+              <a:t>19/09/2022</a:t>
             </a:fld>
             <a:endParaRPr lang="en-GB"/>
           </a:p>
@@ -1179,7 +1576,7 @@
           <a:p>
             <a:fld id="{2EDE32A1-5209-4E90-A92C-A8457960B04D}" type="datetimeFigureOut">
               <a:rPr lang="en-GB" smtClean="0"/>
-              <a:t>02/09/2022</a:t>
+              <a:t>19/09/2022</a:t>
             </a:fld>
             <a:endParaRPr lang="en-GB"/>
           </a:p>
@@ -1447,7 +1844,7 @@
           <a:p>
             <a:fld id="{2EDE32A1-5209-4E90-A92C-A8457960B04D}" type="datetimeFigureOut">
               <a:rPr lang="en-GB" smtClean="0"/>
-              <a:t>02/09/2022</a:t>
+              <a:t>19/09/2022</a:t>
             </a:fld>
             <a:endParaRPr lang="en-GB"/>
           </a:p>
@@ -1862,7 +2259,7 @@
           <a:p>
             <a:fld id="{2EDE32A1-5209-4E90-A92C-A8457960B04D}" type="datetimeFigureOut">
               <a:rPr lang="en-GB" smtClean="0"/>
-              <a:t>02/09/2022</a:t>
+              <a:t>19/09/2022</a:t>
             </a:fld>
             <a:endParaRPr lang="en-GB"/>
           </a:p>
@@ -2004,7 +2401,7 @@
           <a:p>
             <a:fld id="{2EDE32A1-5209-4E90-A92C-A8457960B04D}" type="datetimeFigureOut">
               <a:rPr lang="en-GB" smtClean="0"/>
-              <a:t>02/09/2022</a:t>
+              <a:t>19/09/2022</a:t>
             </a:fld>
             <a:endParaRPr lang="en-GB"/>
           </a:p>
@@ -2117,7 +2514,7 @@
           <a:p>
             <a:fld id="{2EDE32A1-5209-4E90-A92C-A8457960B04D}" type="datetimeFigureOut">
               <a:rPr lang="en-GB" smtClean="0"/>
-              <a:t>02/09/2022</a:t>
+              <a:t>19/09/2022</a:t>
             </a:fld>
             <a:endParaRPr lang="en-GB"/>
           </a:p>
@@ -2430,7 +2827,7 @@
           <a:p>
             <a:fld id="{2EDE32A1-5209-4E90-A92C-A8457960B04D}" type="datetimeFigureOut">
               <a:rPr lang="en-GB" smtClean="0"/>
-              <a:t>02/09/2022</a:t>
+              <a:t>19/09/2022</a:t>
             </a:fld>
             <a:endParaRPr lang="en-GB"/>
           </a:p>
@@ -2719,7 +3116,7 @@
           <a:p>
             <a:fld id="{2EDE32A1-5209-4E90-A92C-A8457960B04D}" type="datetimeFigureOut">
               <a:rPr lang="en-GB" smtClean="0"/>
-              <a:t>02/09/2022</a:t>
+              <a:t>19/09/2022</a:t>
             </a:fld>
             <a:endParaRPr lang="en-GB"/>
           </a:p>
@@ -2962,7 +3359,7 @@
           <a:p>
             <a:fld id="{2EDE32A1-5209-4E90-A92C-A8457960B04D}" type="datetimeFigureOut">
               <a:rPr lang="en-GB" smtClean="0"/>
-              <a:t>02/09/2022</a:t>
+              <a:t>19/09/2022</a:t>
             </a:fld>
             <a:endParaRPr lang="en-GB"/>
           </a:p>
@@ -5053,6 +5450,3198 @@
 </p:sld>
 </file>
 
+<file path=ppt/slides/slide2.xml><?xml version="1.0" encoding="utf-8"?>
+<p:sld xmlns:a="http://schemas.openxmlformats.org/drawingml/2006/main" xmlns:r="http://schemas.openxmlformats.org/officeDocument/2006/relationships" xmlns:p="http://schemas.openxmlformats.org/presentationml/2006/main">
+  <p:cSld>
+    <p:spTree>
+      <p:nvGrpSpPr>
+        <p:cNvPr id="1" name=""/>
+        <p:cNvGrpSpPr/>
+        <p:nvPr/>
+      </p:nvGrpSpPr>
+      <p:grpSpPr>
+        <a:xfrm>
+          <a:off x="0" y="0"/>
+          <a:ext cx="0" cy="0"/>
+          <a:chOff x="0" y="0"/>
+          <a:chExt cx="0" cy="0"/>
+        </a:xfrm>
+      </p:grpSpPr>
+      <p:sp>
+        <p:nvSpPr>
+          <p:cNvPr id="13" name="Subtitle 2">
+            <a:extLst>
+              <a:ext uri="{FF2B5EF4-FFF2-40B4-BE49-F238E27FC236}">
+                <a16:creationId xmlns:a16="http://schemas.microsoft.com/office/drawing/2014/main" id="{92C67011-AC33-CBF2-19A2-DD02793F6CB4}"/>
+              </a:ext>
+            </a:extLst>
+          </p:cNvPr>
+          <p:cNvSpPr txBox="1">
+            <a:spLocks/>
+          </p:cNvSpPr>
+          <p:nvPr/>
+        </p:nvSpPr>
+        <p:spPr>
+          <a:xfrm>
+            <a:off x="981511" y="2266231"/>
+            <a:ext cx="1988192" cy="527301"/>
+          </a:xfrm>
+          <a:prstGeom prst="rect">
+            <a:avLst/>
+          </a:prstGeom>
+          <a:ln w="19050"/>
+        </p:spPr>
+        <p:style>
+          <a:lnRef idx="2">
+            <a:schemeClr val="dk1"/>
+          </a:lnRef>
+          <a:fillRef idx="1">
+            <a:schemeClr val="lt1"/>
+          </a:fillRef>
+          <a:effectRef idx="0">
+            <a:schemeClr val="dk1"/>
+          </a:effectRef>
+          <a:fontRef idx="minor">
+            <a:schemeClr val="dk1"/>
+          </a:fontRef>
+        </p:style>
+        <p:txBody>
+          <a:bodyPr vert="horz" lIns="91440" tIns="45720" rIns="91440" bIns="45720" rtlCol="0">
+            <a:normAutofit/>
+          </a:bodyPr>
+          <a:lstStyle>
+            <a:lvl1pPr marL="0" indent="0" algn="ctr" defTabSz="914400" rtl="0" eaLnBrk="1" latinLnBrk="0" hangingPunct="1">
+              <a:lnSpc>
+                <a:spcPct val="90000"/>
+              </a:lnSpc>
+              <a:spcBef>
+                <a:spcPts val="1000"/>
+              </a:spcBef>
+              <a:buFont typeface="Arial" panose="020B0604020202020204" pitchFamily="34" charset="0"/>
+              <a:buNone/>
+              <a:defRPr sz="2400" kern="1200">
+                <a:solidFill>
+                  <a:schemeClr val="tx1"/>
+                </a:solidFill>
+                <a:latin typeface="+mn-lt"/>
+                <a:ea typeface="+mn-ea"/>
+                <a:cs typeface="+mn-cs"/>
+              </a:defRPr>
+            </a:lvl1pPr>
+            <a:lvl2pPr marL="457200" indent="0" algn="ctr" defTabSz="914400" rtl="0" eaLnBrk="1" latinLnBrk="0" hangingPunct="1">
+              <a:lnSpc>
+                <a:spcPct val="90000"/>
+              </a:lnSpc>
+              <a:spcBef>
+                <a:spcPts val="500"/>
+              </a:spcBef>
+              <a:buFont typeface="Arial" panose="020B0604020202020204" pitchFamily="34" charset="0"/>
+              <a:buNone/>
+              <a:defRPr sz="2000" kern="1200">
+                <a:solidFill>
+                  <a:schemeClr val="tx1"/>
+                </a:solidFill>
+                <a:latin typeface="+mn-lt"/>
+                <a:ea typeface="+mn-ea"/>
+                <a:cs typeface="+mn-cs"/>
+              </a:defRPr>
+            </a:lvl2pPr>
+            <a:lvl3pPr marL="914400" indent="0" algn="ctr" defTabSz="914400" rtl="0" eaLnBrk="1" latinLnBrk="0" hangingPunct="1">
+              <a:lnSpc>
+                <a:spcPct val="90000"/>
+              </a:lnSpc>
+              <a:spcBef>
+                <a:spcPts val="500"/>
+              </a:spcBef>
+              <a:buFont typeface="Arial" panose="020B0604020202020204" pitchFamily="34" charset="0"/>
+              <a:buNone/>
+              <a:defRPr sz="1800" kern="1200">
+                <a:solidFill>
+                  <a:schemeClr val="tx1"/>
+                </a:solidFill>
+                <a:latin typeface="+mn-lt"/>
+                <a:ea typeface="+mn-ea"/>
+                <a:cs typeface="+mn-cs"/>
+              </a:defRPr>
+            </a:lvl3pPr>
+            <a:lvl4pPr marL="1371600" indent="0" algn="ctr" defTabSz="914400" rtl="0" eaLnBrk="1" latinLnBrk="0" hangingPunct="1">
+              <a:lnSpc>
+                <a:spcPct val="90000"/>
+              </a:lnSpc>
+              <a:spcBef>
+                <a:spcPts val="500"/>
+              </a:spcBef>
+              <a:buFont typeface="Arial" panose="020B0604020202020204" pitchFamily="34" charset="0"/>
+              <a:buNone/>
+              <a:defRPr sz="1600" kern="1200">
+                <a:solidFill>
+                  <a:schemeClr val="tx1"/>
+                </a:solidFill>
+                <a:latin typeface="+mn-lt"/>
+                <a:ea typeface="+mn-ea"/>
+                <a:cs typeface="+mn-cs"/>
+              </a:defRPr>
+            </a:lvl4pPr>
+            <a:lvl5pPr marL="1828800" indent="0" algn="ctr" defTabSz="914400" rtl="0" eaLnBrk="1" latinLnBrk="0" hangingPunct="1">
+              <a:lnSpc>
+                <a:spcPct val="90000"/>
+              </a:lnSpc>
+              <a:spcBef>
+                <a:spcPts val="500"/>
+              </a:spcBef>
+              <a:buFont typeface="Arial" panose="020B0604020202020204" pitchFamily="34" charset="0"/>
+              <a:buNone/>
+              <a:defRPr sz="1600" kern="1200">
+                <a:solidFill>
+                  <a:schemeClr val="tx1"/>
+                </a:solidFill>
+                <a:latin typeface="+mn-lt"/>
+                <a:ea typeface="+mn-ea"/>
+                <a:cs typeface="+mn-cs"/>
+              </a:defRPr>
+            </a:lvl5pPr>
+            <a:lvl6pPr marL="2286000" indent="0" algn="ctr" defTabSz="914400" rtl="0" eaLnBrk="1" latinLnBrk="0" hangingPunct="1">
+              <a:lnSpc>
+                <a:spcPct val="90000"/>
+              </a:lnSpc>
+              <a:spcBef>
+                <a:spcPts val="500"/>
+              </a:spcBef>
+              <a:buFont typeface="Arial" panose="020B0604020202020204" pitchFamily="34" charset="0"/>
+              <a:buNone/>
+              <a:defRPr sz="1600" kern="1200">
+                <a:solidFill>
+                  <a:schemeClr val="tx1"/>
+                </a:solidFill>
+                <a:latin typeface="+mn-lt"/>
+                <a:ea typeface="+mn-ea"/>
+                <a:cs typeface="+mn-cs"/>
+              </a:defRPr>
+            </a:lvl6pPr>
+            <a:lvl7pPr marL="2743200" indent="0" algn="ctr" defTabSz="914400" rtl="0" eaLnBrk="1" latinLnBrk="0" hangingPunct="1">
+              <a:lnSpc>
+                <a:spcPct val="90000"/>
+              </a:lnSpc>
+              <a:spcBef>
+                <a:spcPts val="500"/>
+              </a:spcBef>
+              <a:buFont typeface="Arial" panose="020B0604020202020204" pitchFamily="34" charset="0"/>
+              <a:buNone/>
+              <a:defRPr sz="1600" kern="1200">
+                <a:solidFill>
+                  <a:schemeClr val="tx1"/>
+                </a:solidFill>
+                <a:latin typeface="+mn-lt"/>
+                <a:ea typeface="+mn-ea"/>
+                <a:cs typeface="+mn-cs"/>
+              </a:defRPr>
+            </a:lvl7pPr>
+            <a:lvl8pPr marL="3200400" indent="0" algn="ctr" defTabSz="914400" rtl="0" eaLnBrk="1" latinLnBrk="0" hangingPunct="1">
+              <a:lnSpc>
+                <a:spcPct val="90000"/>
+              </a:lnSpc>
+              <a:spcBef>
+                <a:spcPts val="500"/>
+              </a:spcBef>
+              <a:buFont typeface="Arial" panose="020B0604020202020204" pitchFamily="34" charset="0"/>
+              <a:buNone/>
+              <a:defRPr sz="1600" kern="1200">
+                <a:solidFill>
+                  <a:schemeClr val="tx1"/>
+                </a:solidFill>
+                <a:latin typeface="+mn-lt"/>
+                <a:ea typeface="+mn-ea"/>
+                <a:cs typeface="+mn-cs"/>
+              </a:defRPr>
+            </a:lvl8pPr>
+            <a:lvl9pPr marL="3657600" indent="0" algn="ctr" defTabSz="914400" rtl="0" eaLnBrk="1" latinLnBrk="0" hangingPunct="1">
+              <a:lnSpc>
+                <a:spcPct val="90000"/>
+              </a:lnSpc>
+              <a:spcBef>
+                <a:spcPts val="500"/>
+              </a:spcBef>
+              <a:buFont typeface="Arial" panose="020B0604020202020204" pitchFamily="34" charset="0"/>
+              <a:buNone/>
+              <a:defRPr sz="1600" kern="1200">
+                <a:solidFill>
+                  <a:schemeClr val="tx1"/>
+                </a:solidFill>
+                <a:latin typeface="+mn-lt"/>
+                <a:ea typeface="+mn-ea"/>
+                <a:cs typeface="+mn-cs"/>
+              </a:defRPr>
+            </a:lvl9pPr>
+          </a:lstStyle>
+          <a:p>
+            <a:r>
+              <a:rPr lang="de-DE" sz="3000" b="1" dirty="0">
+                <a:latin typeface="Bahnschrift Light" panose="020B0502040204020203" pitchFamily="34" charset="0"/>
+              </a:rPr>
+              <a:t>a=input()</a:t>
+            </a:r>
+          </a:p>
+          <a:p>
+            <a:endParaRPr lang="en-GB" sz="2800" dirty="0"/>
+          </a:p>
+        </p:txBody>
+      </p:sp>
+      <p:sp>
+        <p:nvSpPr>
+          <p:cNvPr id="2" name="TextBox 1">
+            <a:extLst>
+              <a:ext uri="{FF2B5EF4-FFF2-40B4-BE49-F238E27FC236}">
+                <a16:creationId xmlns:a16="http://schemas.microsoft.com/office/drawing/2014/main" id="{C2B376B5-AFD6-7FB4-CD4F-5D3C5382021F}"/>
+              </a:ext>
+            </a:extLst>
+          </p:cNvPr>
+          <p:cNvSpPr txBox="1"/>
+          <p:nvPr/>
+        </p:nvSpPr>
+        <p:spPr>
+          <a:xfrm>
+            <a:off x="981512" y="519897"/>
+            <a:ext cx="1988191" cy="523220"/>
+          </a:xfrm>
+          <a:prstGeom prst="rect">
+            <a:avLst/>
+          </a:prstGeom>
+          <a:noFill/>
+        </p:spPr>
+        <p:txBody>
+          <a:bodyPr wrap="square" rtlCol="0">
+            <a:spAutoFit/>
+          </a:bodyPr>
+          <a:lstStyle/>
+          <a:p>
+            <a:pPr algn="ctr"/>
+            <a:r>
+              <a:rPr lang="de-DE" sz="2800" dirty="0"/>
+              <a:t>Sequence</a:t>
+            </a:r>
+            <a:endParaRPr lang="en-GB" sz="2800" dirty="0"/>
+          </a:p>
+        </p:txBody>
+      </p:sp>
+      <p:sp>
+        <p:nvSpPr>
+          <p:cNvPr id="3" name="TextBox 2">
+            <a:extLst>
+              <a:ext uri="{FF2B5EF4-FFF2-40B4-BE49-F238E27FC236}">
+                <a16:creationId xmlns:a16="http://schemas.microsoft.com/office/drawing/2014/main" id="{D88A070B-6346-BFB0-782F-EC4C09B13FA9}"/>
+              </a:ext>
+            </a:extLst>
+          </p:cNvPr>
+          <p:cNvSpPr txBox="1"/>
+          <p:nvPr/>
+        </p:nvSpPr>
+        <p:spPr>
+          <a:xfrm>
+            <a:off x="8481766" y="519897"/>
+            <a:ext cx="2481877" cy="523220"/>
+          </a:xfrm>
+          <a:prstGeom prst="rect">
+            <a:avLst/>
+          </a:prstGeom>
+          <a:noFill/>
+        </p:spPr>
+        <p:txBody>
+          <a:bodyPr wrap="square" rtlCol="0">
+            <a:spAutoFit/>
+          </a:bodyPr>
+          <a:lstStyle/>
+          <a:p>
+            <a:pPr algn="ctr"/>
+            <a:r>
+              <a:rPr lang="de-DE" sz="2800" dirty="0"/>
+              <a:t>Iteration/Loop</a:t>
+            </a:r>
+            <a:endParaRPr lang="en-GB" sz="2800" dirty="0"/>
+          </a:p>
+        </p:txBody>
+      </p:sp>
+      <p:sp>
+        <p:nvSpPr>
+          <p:cNvPr id="4" name="TextBox 3">
+            <a:extLst>
+              <a:ext uri="{FF2B5EF4-FFF2-40B4-BE49-F238E27FC236}">
+                <a16:creationId xmlns:a16="http://schemas.microsoft.com/office/drawing/2014/main" id="{D0921057-C0F4-497F-E95E-11420AFAAB6F}"/>
+              </a:ext>
+            </a:extLst>
+          </p:cNvPr>
+          <p:cNvSpPr txBox="1"/>
+          <p:nvPr/>
+        </p:nvSpPr>
+        <p:spPr>
+          <a:xfrm>
+            <a:off x="4991799" y="519897"/>
+            <a:ext cx="1988191" cy="523220"/>
+          </a:xfrm>
+          <a:prstGeom prst="rect">
+            <a:avLst/>
+          </a:prstGeom>
+          <a:noFill/>
+        </p:spPr>
+        <p:txBody>
+          <a:bodyPr wrap="square" rtlCol="0">
+            <a:spAutoFit/>
+          </a:bodyPr>
+          <a:lstStyle/>
+          <a:p>
+            <a:pPr algn="ctr"/>
+            <a:r>
+              <a:rPr lang="de-DE" sz="2800" dirty="0"/>
+              <a:t>Selection</a:t>
+            </a:r>
+            <a:endParaRPr lang="en-GB" sz="2800" dirty="0"/>
+          </a:p>
+        </p:txBody>
+      </p:sp>
+      <p:sp>
+        <p:nvSpPr>
+          <p:cNvPr id="5" name="Subtitle 2">
+            <a:extLst>
+              <a:ext uri="{FF2B5EF4-FFF2-40B4-BE49-F238E27FC236}">
+                <a16:creationId xmlns:a16="http://schemas.microsoft.com/office/drawing/2014/main" id="{31F79109-CBAB-BA62-4FB7-589B60EE77AD}"/>
+              </a:ext>
+            </a:extLst>
+          </p:cNvPr>
+          <p:cNvSpPr txBox="1">
+            <a:spLocks/>
+          </p:cNvSpPr>
+          <p:nvPr/>
+        </p:nvSpPr>
+        <p:spPr>
+          <a:xfrm>
+            <a:off x="981511" y="3537168"/>
+            <a:ext cx="1988192" cy="527301"/>
+          </a:xfrm>
+          <a:prstGeom prst="rect">
+            <a:avLst/>
+          </a:prstGeom>
+          <a:ln w="19050"/>
+        </p:spPr>
+        <p:style>
+          <a:lnRef idx="2">
+            <a:schemeClr val="dk1"/>
+          </a:lnRef>
+          <a:fillRef idx="1">
+            <a:schemeClr val="lt1"/>
+          </a:fillRef>
+          <a:effectRef idx="0">
+            <a:schemeClr val="dk1"/>
+          </a:effectRef>
+          <a:fontRef idx="minor">
+            <a:schemeClr val="dk1"/>
+          </a:fontRef>
+        </p:style>
+        <p:txBody>
+          <a:bodyPr vert="horz" lIns="91440" tIns="45720" rIns="91440" bIns="45720" rtlCol="0">
+            <a:normAutofit/>
+          </a:bodyPr>
+          <a:lstStyle>
+            <a:lvl1pPr marL="0" indent="0" algn="ctr" defTabSz="914400" rtl="0" eaLnBrk="1" latinLnBrk="0" hangingPunct="1">
+              <a:lnSpc>
+                <a:spcPct val="90000"/>
+              </a:lnSpc>
+              <a:spcBef>
+                <a:spcPts val="1000"/>
+              </a:spcBef>
+              <a:buFont typeface="Arial" panose="020B0604020202020204" pitchFamily="34" charset="0"/>
+              <a:buNone/>
+              <a:defRPr sz="2400" kern="1200">
+                <a:solidFill>
+                  <a:schemeClr val="tx1"/>
+                </a:solidFill>
+                <a:latin typeface="+mn-lt"/>
+                <a:ea typeface="+mn-ea"/>
+                <a:cs typeface="+mn-cs"/>
+              </a:defRPr>
+            </a:lvl1pPr>
+            <a:lvl2pPr marL="457200" indent="0" algn="ctr" defTabSz="914400" rtl="0" eaLnBrk="1" latinLnBrk="0" hangingPunct="1">
+              <a:lnSpc>
+                <a:spcPct val="90000"/>
+              </a:lnSpc>
+              <a:spcBef>
+                <a:spcPts val="500"/>
+              </a:spcBef>
+              <a:buFont typeface="Arial" panose="020B0604020202020204" pitchFamily="34" charset="0"/>
+              <a:buNone/>
+              <a:defRPr sz="2000" kern="1200">
+                <a:solidFill>
+                  <a:schemeClr val="tx1"/>
+                </a:solidFill>
+                <a:latin typeface="+mn-lt"/>
+                <a:ea typeface="+mn-ea"/>
+                <a:cs typeface="+mn-cs"/>
+              </a:defRPr>
+            </a:lvl2pPr>
+            <a:lvl3pPr marL="914400" indent="0" algn="ctr" defTabSz="914400" rtl="0" eaLnBrk="1" latinLnBrk="0" hangingPunct="1">
+              <a:lnSpc>
+                <a:spcPct val="90000"/>
+              </a:lnSpc>
+              <a:spcBef>
+                <a:spcPts val="500"/>
+              </a:spcBef>
+              <a:buFont typeface="Arial" panose="020B0604020202020204" pitchFamily="34" charset="0"/>
+              <a:buNone/>
+              <a:defRPr sz="1800" kern="1200">
+                <a:solidFill>
+                  <a:schemeClr val="tx1"/>
+                </a:solidFill>
+                <a:latin typeface="+mn-lt"/>
+                <a:ea typeface="+mn-ea"/>
+                <a:cs typeface="+mn-cs"/>
+              </a:defRPr>
+            </a:lvl3pPr>
+            <a:lvl4pPr marL="1371600" indent="0" algn="ctr" defTabSz="914400" rtl="0" eaLnBrk="1" latinLnBrk="0" hangingPunct="1">
+              <a:lnSpc>
+                <a:spcPct val="90000"/>
+              </a:lnSpc>
+              <a:spcBef>
+                <a:spcPts val="500"/>
+              </a:spcBef>
+              <a:buFont typeface="Arial" panose="020B0604020202020204" pitchFamily="34" charset="0"/>
+              <a:buNone/>
+              <a:defRPr sz="1600" kern="1200">
+                <a:solidFill>
+                  <a:schemeClr val="tx1"/>
+                </a:solidFill>
+                <a:latin typeface="+mn-lt"/>
+                <a:ea typeface="+mn-ea"/>
+                <a:cs typeface="+mn-cs"/>
+              </a:defRPr>
+            </a:lvl4pPr>
+            <a:lvl5pPr marL="1828800" indent="0" algn="ctr" defTabSz="914400" rtl="0" eaLnBrk="1" latinLnBrk="0" hangingPunct="1">
+              <a:lnSpc>
+                <a:spcPct val="90000"/>
+              </a:lnSpc>
+              <a:spcBef>
+                <a:spcPts val="500"/>
+              </a:spcBef>
+              <a:buFont typeface="Arial" panose="020B0604020202020204" pitchFamily="34" charset="0"/>
+              <a:buNone/>
+              <a:defRPr sz="1600" kern="1200">
+                <a:solidFill>
+                  <a:schemeClr val="tx1"/>
+                </a:solidFill>
+                <a:latin typeface="+mn-lt"/>
+                <a:ea typeface="+mn-ea"/>
+                <a:cs typeface="+mn-cs"/>
+              </a:defRPr>
+            </a:lvl5pPr>
+            <a:lvl6pPr marL="2286000" indent="0" algn="ctr" defTabSz="914400" rtl="0" eaLnBrk="1" latinLnBrk="0" hangingPunct="1">
+              <a:lnSpc>
+                <a:spcPct val="90000"/>
+              </a:lnSpc>
+              <a:spcBef>
+                <a:spcPts val="500"/>
+              </a:spcBef>
+              <a:buFont typeface="Arial" panose="020B0604020202020204" pitchFamily="34" charset="0"/>
+              <a:buNone/>
+              <a:defRPr sz="1600" kern="1200">
+                <a:solidFill>
+                  <a:schemeClr val="tx1"/>
+                </a:solidFill>
+                <a:latin typeface="+mn-lt"/>
+                <a:ea typeface="+mn-ea"/>
+                <a:cs typeface="+mn-cs"/>
+              </a:defRPr>
+            </a:lvl6pPr>
+            <a:lvl7pPr marL="2743200" indent="0" algn="ctr" defTabSz="914400" rtl="0" eaLnBrk="1" latinLnBrk="0" hangingPunct="1">
+              <a:lnSpc>
+                <a:spcPct val="90000"/>
+              </a:lnSpc>
+              <a:spcBef>
+                <a:spcPts val="500"/>
+              </a:spcBef>
+              <a:buFont typeface="Arial" panose="020B0604020202020204" pitchFamily="34" charset="0"/>
+              <a:buNone/>
+              <a:defRPr sz="1600" kern="1200">
+                <a:solidFill>
+                  <a:schemeClr val="tx1"/>
+                </a:solidFill>
+                <a:latin typeface="+mn-lt"/>
+                <a:ea typeface="+mn-ea"/>
+                <a:cs typeface="+mn-cs"/>
+              </a:defRPr>
+            </a:lvl7pPr>
+            <a:lvl8pPr marL="3200400" indent="0" algn="ctr" defTabSz="914400" rtl="0" eaLnBrk="1" latinLnBrk="0" hangingPunct="1">
+              <a:lnSpc>
+                <a:spcPct val="90000"/>
+              </a:lnSpc>
+              <a:spcBef>
+                <a:spcPts val="500"/>
+              </a:spcBef>
+              <a:buFont typeface="Arial" panose="020B0604020202020204" pitchFamily="34" charset="0"/>
+              <a:buNone/>
+              <a:defRPr sz="1600" kern="1200">
+                <a:solidFill>
+                  <a:schemeClr val="tx1"/>
+                </a:solidFill>
+                <a:latin typeface="+mn-lt"/>
+                <a:ea typeface="+mn-ea"/>
+                <a:cs typeface="+mn-cs"/>
+              </a:defRPr>
+            </a:lvl8pPr>
+            <a:lvl9pPr marL="3657600" indent="0" algn="ctr" defTabSz="914400" rtl="0" eaLnBrk="1" latinLnBrk="0" hangingPunct="1">
+              <a:lnSpc>
+                <a:spcPct val="90000"/>
+              </a:lnSpc>
+              <a:spcBef>
+                <a:spcPts val="500"/>
+              </a:spcBef>
+              <a:buFont typeface="Arial" panose="020B0604020202020204" pitchFamily="34" charset="0"/>
+              <a:buNone/>
+              <a:defRPr sz="1600" kern="1200">
+                <a:solidFill>
+                  <a:schemeClr val="tx1"/>
+                </a:solidFill>
+                <a:latin typeface="+mn-lt"/>
+                <a:ea typeface="+mn-ea"/>
+                <a:cs typeface="+mn-cs"/>
+              </a:defRPr>
+            </a:lvl9pPr>
+          </a:lstStyle>
+          <a:p>
+            <a:r>
+              <a:rPr lang="de-DE" sz="3000" b="1" dirty="0">
+                <a:latin typeface="Bahnschrift Light" panose="020B0502040204020203" pitchFamily="34" charset="0"/>
+              </a:rPr>
+              <a:t>a=float(a)</a:t>
+            </a:r>
+          </a:p>
+          <a:p>
+            <a:endParaRPr lang="en-GB" sz="2800" dirty="0"/>
+          </a:p>
+        </p:txBody>
+      </p:sp>
+      <p:sp>
+        <p:nvSpPr>
+          <p:cNvPr id="6" name="Subtitle 2">
+            <a:extLst>
+              <a:ext uri="{FF2B5EF4-FFF2-40B4-BE49-F238E27FC236}">
+                <a16:creationId xmlns:a16="http://schemas.microsoft.com/office/drawing/2014/main" id="{66C235D5-C7C7-9D55-9A8D-994782E0D218}"/>
+              </a:ext>
+            </a:extLst>
+          </p:cNvPr>
+          <p:cNvSpPr txBox="1">
+            <a:spLocks/>
+          </p:cNvSpPr>
+          <p:nvPr/>
+        </p:nvSpPr>
+        <p:spPr>
+          <a:xfrm>
+            <a:off x="981511" y="4808105"/>
+            <a:ext cx="1988192" cy="527301"/>
+          </a:xfrm>
+          <a:prstGeom prst="rect">
+            <a:avLst/>
+          </a:prstGeom>
+          <a:ln w="19050"/>
+        </p:spPr>
+        <p:style>
+          <a:lnRef idx="2">
+            <a:schemeClr val="dk1"/>
+          </a:lnRef>
+          <a:fillRef idx="1">
+            <a:schemeClr val="lt1"/>
+          </a:fillRef>
+          <a:effectRef idx="0">
+            <a:schemeClr val="dk1"/>
+          </a:effectRef>
+          <a:fontRef idx="minor">
+            <a:schemeClr val="dk1"/>
+          </a:fontRef>
+        </p:style>
+        <p:txBody>
+          <a:bodyPr vert="horz" lIns="91440" tIns="45720" rIns="91440" bIns="45720" rtlCol="0">
+            <a:normAutofit/>
+          </a:bodyPr>
+          <a:lstStyle>
+            <a:lvl1pPr marL="0" indent="0" algn="ctr" defTabSz="914400" rtl="0" eaLnBrk="1" latinLnBrk="0" hangingPunct="1">
+              <a:lnSpc>
+                <a:spcPct val="90000"/>
+              </a:lnSpc>
+              <a:spcBef>
+                <a:spcPts val="1000"/>
+              </a:spcBef>
+              <a:buFont typeface="Arial" panose="020B0604020202020204" pitchFamily="34" charset="0"/>
+              <a:buNone/>
+              <a:defRPr sz="2400" kern="1200">
+                <a:solidFill>
+                  <a:schemeClr val="tx1"/>
+                </a:solidFill>
+                <a:latin typeface="+mn-lt"/>
+                <a:ea typeface="+mn-ea"/>
+                <a:cs typeface="+mn-cs"/>
+              </a:defRPr>
+            </a:lvl1pPr>
+            <a:lvl2pPr marL="457200" indent="0" algn="ctr" defTabSz="914400" rtl="0" eaLnBrk="1" latinLnBrk="0" hangingPunct="1">
+              <a:lnSpc>
+                <a:spcPct val="90000"/>
+              </a:lnSpc>
+              <a:spcBef>
+                <a:spcPts val="500"/>
+              </a:spcBef>
+              <a:buFont typeface="Arial" panose="020B0604020202020204" pitchFamily="34" charset="0"/>
+              <a:buNone/>
+              <a:defRPr sz="2000" kern="1200">
+                <a:solidFill>
+                  <a:schemeClr val="tx1"/>
+                </a:solidFill>
+                <a:latin typeface="+mn-lt"/>
+                <a:ea typeface="+mn-ea"/>
+                <a:cs typeface="+mn-cs"/>
+              </a:defRPr>
+            </a:lvl2pPr>
+            <a:lvl3pPr marL="914400" indent="0" algn="ctr" defTabSz="914400" rtl="0" eaLnBrk="1" latinLnBrk="0" hangingPunct="1">
+              <a:lnSpc>
+                <a:spcPct val="90000"/>
+              </a:lnSpc>
+              <a:spcBef>
+                <a:spcPts val="500"/>
+              </a:spcBef>
+              <a:buFont typeface="Arial" panose="020B0604020202020204" pitchFamily="34" charset="0"/>
+              <a:buNone/>
+              <a:defRPr sz="1800" kern="1200">
+                <a:solidFill>
+                  <a:schemeClr val="tx1"/>
+                </a:solidFill>
+                <a:latin typeface="+mn-lt"/>
+                <a:ea typeface="+mn-ea"/>
+                <a:cs typeface="+mn-cs"/>
+              </a:defRPr>
+            </a:lvl3pPr>
+            <a:lvl4pPr marL="1371600" indent="0" algn="ctr" defTabSz="914400" rtl="0" eaLnBrk="1" latinLnBrk="0" hangingPunct="1">
+              <a:lnSpc>
+                <a:spcPct val="90000"/>
+              </a:lnSpc>
+              <a:spcBef>
+                <a:spcPts val="500"/>
+              </a:spcBef>
+              <a:buFont typeface="Arial" panose="020B0604020202020204" pitchFamily="34" charset="0"/>
+              <a:buNone/>
+              <a:defRPr sz="1600" kern="1200">
+                <a:solidFill>
+                  <a:schemeClr val="tx1"/>
+                </a:solidFill>
+                <a:latin typeface="+mn-lt"/>
+                <a:ea typeface="+mn-ea"/>
+                <a:cs typeface="+mn-cs"/>
+              </a:defRPr>
+            </a:lvl4pPr>
+            <a:lvl5pPr marL="1828800" indent="0" algn="ctr" defTabSz="914400" rtl="0" eaLnBrk="1" latinLnBrk="0" hangingPunct="1">
+              <a:lnSpc>
+                <a:spcPct val="90000"/>
+              </a:lnSpc>
+              <a:spcBef>
+                <a:spcPts val="500"/>
+              </a:spcBef>
+              <a:buFont typeface="Arial" panose="020B0604020202020204" pitchFamily="34" charset="0"/>
+              <a:buNone/>
+              <a:defRPr sz="1600" kern="1200">
+                <a:solidFill>
+                  <a:schemeClr val="tx1"/>
+                </a:solidFill>
+                <a:latin typeface="+mn-lt"/>
+                <a:ea typeface="+mn-ea"/>
+                <a:cs typeface="+mn-cs"/>
+              </a:defRPr>
+            </a:lvl5pPr>
+            <a:lvl6pPr marL="2286000" indent="0" algn="ctr" defTabSz="914400" rtl="0" eaLnBrk="1" latinLnBrk="0" hangingPunct="1">
+              <a:lnSpc>
+                <a:spcPct val="90000"/>
+              </a:lnSpc>
+              <a:spcBef>
+                <a:spcPts val="500"/>
+              </a:spcBef>
+              <a:buFont typeface="Arial" panose="020B0604020202020204" pitchFamily="34" charset="0"/>
+              <a:buNone/>
+              <a:defRPr sz="1600" kern="1200">
+                <a:solidFill>
+                  <a:schemeClr val="tx1"/>
+                </a:solidFill>
+                <a:latin typeface="+mn-lt"/>
+                <a:ea typeface="+mn-ea"/>
+                <a:cs typeface="+mn-cs"/>
+              </a:defRPr>
+            </a:lvl6pPr>
+            <a:lvl7pPr marL="2743200" indent="0" algn="ctr" defTabSz="914400" rtl="0" eaLnBrk="1" latinLnBrk="0" hangingPunct="1">
+              <a:lnSpc>
+                <a:spcPct val="90000"/>
+              </a:lnSpc>
+              <a:spcBef>
+                <a:spcPts val="500"/>
+              </a:spcBef>
+              <a:buFont typeface="Arial" panose="020B0604020202020204" pitchFamily="34" charset="0"/>
+              <a:buNone/>
+              <a:defRPr sz="1600" kern="1200">
+                <a:solidFill>
+                  <a:schemeClr val="tx1"/>
+                </a:solidFill>
+                <a:latin typeface="+mn-lt"/>
+                <a:ea typeface="+mn-ea"/>
+                <a:cs typeface="+mn-cs"/>
+              </a:defRPr>
+            </a:lvl7pPr>
+            <a:lvl8pPr marL="3200400" indent="0" algn="ctr" defTabSz="914400" rtl="0" eaLnBrk="1" latinLnBrk="0" hangingPunct="1">
+              <a:lnSpc>
+                <a:spcPct val="90000"/>
+              </a:lnSpc>
+              <a:spcBef>
+                <a:spcPts val="500"/>
+              </a:spcBef>
+              <a:buFont typeface="Arial" panose="020B0604020202020204" pitchFamily="34" charset="0"/>
+              <a:buNone/>
+              <a:defRPr sz="1600" kern="1200">
+                <a:solidFill>
+                  <a:schemeClr val="tx1"/>
+                </a:solidFill>
+                <a:latin typeface="+mn-lt"/>
+                <a:ea typeface="+mn-ea"/>
+                <a:cs typeface="+mn-cs"/>
+              </a:defRPr>
+            </a:lvl8pPr>
+            <a:lvl9pPr marL="3657600" indent="0" algn="ctr" defTabSz="914400" rtl="0" eaLnBrk="1" latinLnBrk="0" hangingPunct="1">
+              <a:lnSpc>
+                <a:spcPct val="90000"/>
+              </a:lnSpc>
+              <a:spcBef>
+                <a:spcPts val="500"/>
+              </a:spcBef>
+              <a:buFont typeface="Arial" panose="020B0604020202020204" pitchFamily="34" charset="0"/>
+              <a:buNone/>
+              <a:defRPr sz="1600" kern="1200">
+                <a:solidFill>
+                  <a:schemeClr val="tx1"/>
+                </a:solidFill>
+                <a:latin typeface="+mn-lt"/>
+                <a:ea typeface="+mn-ea"/>
+                <a:cs typeface="+mn-cs"/>
+              </a:defRPr>
+            </a:lvl9pPr>
+          </a:lstStyle>
+          <a:p>
+            <a:r>
+              <a:rPr lang="de-DE" sz="3000" b="1" dirty="0">
+                <a:latin typeface="Bahnschrift Light" panose="020B0502040204020203" pitchFamily="34" charset="0"/>
+              </a:rPr>
+              <a:t>print(a)</a:t>
+            </a:r>
+          </a:p>
+          <a:p>
+            <a:endParaRPr lang="en-GB" sz="2800" dirty="0"/>
+          </a:p>
+        </p:txBody>
+      </p:sp>
+      <p:sp>
+        <p:nvSpPr>
+          <p:cNvPr id="7" name="Flowchart: Decision 6">
+            <a:extLst>
+              <a:ext uri="{FF2B5EF4-FFF2-40B4-BE49-F238E27FC236}">
+                <a16:creationId xmlns:a16="http://schemas.microsoft.com/office/drawing/2014/main" id="{190B0AE2-0093-5EAC-6B52-CFD8AB2A5526}"/>
+              </a:ext>
+            </a:extLst>
+          </p:cNvPr>
+          <p:cNvSpPr/>
+          <p:nvPr/>
+        </p:nvSpPr>
+        <p:spPr>
+          <a:xfrm>
+            <a:off x="5069047" y="2065612"/>
+            <a:ext cx="1668012" cy="842495"/>
+          </a:xfrm>
+          <a:prstGeom prst="flowChartDecision">
+            <a:avLst/>
+          </a:prstGeom>
+          <a:noFill/>
+          <a:ln w="19050">
+            <a:solidFill>
+              <a:schemeClr val="tx1"/>
+            </a:solidFill>
+          </a:ln>
+        </p:spPr>
+        <p:style>
+          <a:lnRef idx="2">
+            <a:schemeClr val="accent1">
+              <a:shade val="50000"/>
+            </a:schemeClr>
+          </a:lnRef>
+          <a:fillRef idx="1">
+            <a:schemeClr val="accent1"/>
+          </a:fillRef>
+          <a:effectRef idx="0">
+            <a:schemeClr val="accent1"/>
+          </a:effectRef>
+          <a:fontRef idx="minor">
+            <a:schemeClr val="lt1"/>
+          </a:fontRef>
+        </p:style>
+        <p:txBody>
+          <a:bodyPr rtlCol="0" anchor="ctr"/>
+          <a:lstStyle/>
+          <a:p>
+            <a:pPr algn="ctr"/>
+            <a:r>
+              <a:rPr lang="de-DE" dirty="0">
+                <a:solidFill>
+                  <a:schemeClr val="tx1"/>
+                </a:solidFill>
+              </a:rPr>
+              <a:t>if </a:t>
+            </a:r>
+            <a:r>
+              <a:rPr lang="de-DE" dirty="0">
+                <a:solidFill>
+                  <a:schemeClr val="tx1"/>
+                </a:solidFill>
+                <a:latin typeface="Simplified Arabic Fixed" panose="020B0604020202020204" pitchFamily="49" charset="-78"/>
+                <a:cs typeface="Simplified Arabic Fixed" panose="020B0604020202020204" pitchFamily="49" charset="-78"/>
+              </a:rPr>
+              <a:t>True</a:t>
+            </a:r>
+            <a:endParaRPr lang="en-GB" dirty="0">
+              <a:solidFill>
+                <a:schemeClr val="tx1"/>
+              </a:solidFill>
+              <a:latin typeface="Simplified Arabic Fixed" panose="020B0604020202020204" pitchFamily="49" charset="-78"/>
+              <a:cs typeface="Simplified Arabic Fixed" panose="020B0604020202020204" pitchFamily="49" charset="-78"/>
+            </a:endParaRPr>
+          </a:p>
+        </p:txBody>
+      </p:sp>
+      <p:sp>
+        <p:nvSpPr>
+          <p:cNvPr id="9" name="Subtitle 2">
+            <a:extLst>
+              <a:ext uri="{FF2B5EF4-FFF2-40B4-BE49-F238E27FC236}">
+                <a16:creationId xmlns:a16="http://schemas.microsoft.com/office/drawing/2014/main" id="{92B342CB-E449-8205-9510-2C8D97995C85}"/>
+              </a:ext>
+            </a:extLst>
+          </p:cNvPr>
+          <p:cNvSpPr txBox="1">
+            <a:spLocks/>
+          </p:cNvSpPr>
+          <p:nvPr/>
+        </p:nvSpPr>
+        <p:spPr>
+          <a:xfrm>
+            <a:off x="4166530" y="3447800"/>
+            <a:ext cx="1496039" cy="527301"/>
+          </a:xfrm>
+          <a:prstGeom prst="rect">
+            <a:avLst/>
+          </a:prstGeom>
+          <a:ln w="19050"/>
+        </p:spPr>
+        <p:style>
+          <a:lnRef idx="2">
+            <a:schemeClr val="dk1"/>
+          </a:lnRef>
+          <a:fillRef idx="1">
+            <a:schemeClr val="lt1"/>
+          </a:fillRef>
+          <a:effectRef idx="0">
+            <a:schemeClr val="dk1"/>
+          </a:effectRef>
+          <a:fontRef idx="minor">
+            <a:schemeClr val="dk1"/>
+          </a:fontRef>
+        </p:style>
+        <p:txBody>
+          <a:bodyPr vert="horz" lIns="91440" tIns="45720" rIns="91440" bIns="45720" rtlCol="0">
+            <a:normAutofit/>
+          </a:bodyPr>
+          <a:lstStyle>
+            <a:lvl1pPr marL="0" indent="0" algn="ctr" defTabSz="914400" rtl="0" eaLnBrk="1" latinLnBrk="0" hangingPunct="1">
+              <a:lnSpc>
+                <a:spcPct val="90000"/>
+              </a:lnSpc>
+              <a:spcBef>
+                <a:spcPts val="1000"/>
+              </a:spcBef>
+              <a:buFont typeface="Arial" panose="020B0604020202020204" pitchFamily="34" charset="0"/>
+              <a:buNone/>
+              <a:defRPr sz="2400" kern="1200">
+                <a:solidFill>
+                  <a:schemeClr val="tx1"/>
+                </a:solidFill>
+                <a:latin typeface="+mn-lt"/>
+                <a:ea typeface="+mn-ea"/>
+                <a:cs typeface="+mn-cs"/>
+              </a:defRPr>
+            </a:lvl1pPr>
+            <a:lvl2pPr marL="457200" indent="0" algn="ctr" defTabSz="914400" rtl="0" eaLnBrk="1" latinLnBrk="0" hangingPunct="1">
+              <a:lnSpc>
+                <a:spcPct val="90000"/>
+              </a:lnSpc>
+              <a:spcBef>
+                <a:spcPts val="500"/>
+              </a:spcBef>
+              <a:buFont typeface="Arial" panose="020B0604020202020204" pitchFamily="34" charset="0"/>
+              <a:buNone/>
+              <a:defRPr sz="2000" kern="1200">
+                <a:solidFill>
+                  <a:schemeClr val="tx1"/>
+                </a:solidFill>
+                <a:latin typeface="+mn-lt"/>
+                <a:ea typeface="+mn-ea"/>
+                <a:cs typeface="+mn-cs"/>
+              </a:defRPr>
+            </a:lvl2pPr>
+            <a:lvl3pPr marL="914400" indent="0" algn="ctr" defTabSz="914400" rtl="0" eaLnBrk="1" latinLnBrk="0" hangingPunct="1">
+              <a:lnSpc>
+                <a:spcPct val="90000"/>
+              </a:lnSpc>
+              <a:spcBef>
+                <a:spcPts val="500"/>
+              </a:spcBef>
+              <a:buFont typeface="Arial" panose="020B0604020202020204" pitchFamily="34" charset="0"/>
+              <a:buNone/>
+              <a:defRPr sz="1800" kern="1200">
+                <a:solidFill>
+                  <a:schemeClr val="tx1"/>
+                </a:solidFill>
+                <a:latin typeface="+mn-lt"/>
+                <a:ea typeface="+mn-ea"/>
+                <a:cs typeface="+mn-cs"/>
+              </a:defRPr>
+            </a:lvl3pPr>
+            <a:lvl4pPr marL="1371600" indent="0" algn="ctr" defTabSz="914400" rtl="0" eaLnBrk="1" latinLnBrk="0" hangingPunct="1">
+              <a:lnSpc>
+                <a:spcPct val="90000"/>
+              </a:lnSpc>
+              <a:spcBef>
+                <a:spcPts val="500"/>
+              </a:spcBef>
+              <a:buFont typeface="Arial" panose="020B0604020202020204" pitchFamily="34" charset="0"/>
+              <a:buNone/>
+              <a:defRPr sz="1600" kern="1200">
+                <a:solidFill>
+                  <a:schemeClr val="tx1"/>
+                </a:solidFill>
+                <a:latin typeface="+mn-lt"/>
+                <a:ea typeface="+mn-ea"/>
+                <a:cs typeface="+mn-cs"/>
+              </a:defRPr>
+            </a:lvl4pPr>
+            <a:lvl5pPr marL="1828800" indent="0" algn="ctr" defTabSz="914400" rtl="0" eaLnBrk="1" latinLnBrk="0" hangingPunct="1">
+              <a:lnSpc>
+                <a:spcPct val="90000"/>
+              </a:lnSpc>
+              <a:spcBef>
+                <a:spcPts val="500"/>
+              </a:spcBef>
+              <a:buFont typeface="Arial" panose="020B0604020202020204" pitchFamily="34" charset="0"/>
+              <a:buNone/>
+              <a:defRPr sz="1600" kern="1200">
+                <a:solidFill>
+                  <a:schemeClr val="tx1"/>
+                </a:solidFill>
+                <a:latin typeface="+mn-lt"/>
+                <a:ea typeface="+mn-ea"/>
+                <a:cs typeface="+mn-cs"/>
+              </a:defRPr>
+            </a:lvl5pPr>
+            <a:lvl6pPr marL="2286000" indent="0" algn="ctr" defTabSz="914400" rtl="0" eaLnBrk="1" latinLnBrk="0" hangingPunct="1">
+              <a:lnSpc>
+                <a:spcPct val="90000"/>
+              </a:lnSpc>
+              <a:spcBef>
+                <a:spcPts val="500"/>
+              </a:spcBef>
+              <a:buFont typeface="Arial" panose="020B0604020202020204" pitchFamily="34" charset="0"/>
+              <a:buNone/>
+              <a:defRPr sz="1600" kern="1200">
+                <a:solidFill>
+                  <a:schemeClr val="tx1"/>
+                </a:solidFill>
+                <a:latin typeface="+mn-lt"/>
+                <a:ea typeface="+mn-ea"/>
+                <a:cs typeface="+mn-cs"/>
+              </a:defRPr>
+            </a:lvl6pPr>
+            <a:lvl7pPr marL="2743200" indent="0" algn="ctr" defTabSz="914400" rtl="0" eaLnBrk="1" latinLnBrk="0" hangingPunct="1">
+              <a:lnSpc>
+                <a:spcPct val="90000"/>
+              </a:lnSpc>
+              <a:spcBef>
+                <a:spcPts val="500"/>
+              </a:spcBef>
+              <a:buFont typeface="Arial" panose="020B0604020202020204" pitchFamily="34" charset="0"/>
+              <a:buNone/>
+              <a:defRPr sz="1600" kern="1200">
+                <a:solidFill>
+                  <a:schemeClr val="tx1"/>
+                </a:solidFill>
+                <a:latin typeface="+mn-lt"/>
+                <a:ea typeface="+mn-ea"/>
+                <a:cs typeface="+mn-cs"/>
+              </a:defRPr>
+            </a:lvl7pPr>
+            <a:lvl8pPr marL="3200400" indent="0" algn="ctr" defTabSz="914400" rtl="0" eaLnBrk="1" latinLnBrk="0" hangingPunct="1">
+              <a:lnSpc>
+                <a:spcPct val="90000"/>
+              </a:lnSpc>
+              <a:spcBef>
+                <a:spcPts val="500"/>
+              </a:spcBef>
+              <a:buFont typeface="Arial" panose="020B0604020202020204" pitchFamily="34" charset="0"/>
+              <a:buNone/>
+              <a:defRPr sz="1600" kern="1200">
+                <a:solidFill>
+                  <a:schemeClr val="tx1"/>
+                </a:solidFill>
+                <a:latin typeface="+mn-lt"/>
+                <a:ea typeface="+mn-ea"/>
+                <a:cs typeface="+mn-cs"/>
+              </a:defRPr>
+            </a:lvl8pPr>
+            <a:lvl9pPr marL="3657600" indent="0" algn="ctr" defTabSz="914400" rtl="0" eaLnBrk="1" latinLnBrk="0" hangingPunct="1">
+              <a:lnSpc>
+                <a:spcPct val="90000"/>
+              </a:lnSpc>
+              <a:spcBef>
+                <a:spcPts val="500"/>
+              </a:spcBef>
+              <a:buFont typeface="Arial" panose="020B0604020202020204" pitchFamily="34" charset="0"/>
+              <a:buNone/>
+              <a:defRPr sz="1600" kern="1200">
+                <a:solidFill>
+                  <a:schemeClr val="tx1"/>
+                </a:solidFill>
+                <a:latin typeface="+mn-lt"/>
+                <a:ea typeface="+mn-ea"/>
+                <a:cs typeface="+mn-cs"/>
+              </a:defRPr>
+            </a:lvl9pPr>
+          </a:lstStyle>
+          <a:p>
+            <a:r>
+              <a:rPr lang="de-DE" sz="3000" b="1" dirty="0">
+                <a:latin typeface="Bahnschrift Light" panose="020B0502040204020203" pitchFamily="34" charset="0"/>
+              </a:rPr>
+              <a:t>a=2</a:t>
+            </a:r>
+          </a:p>
+          <a:p>
+            <a:endParaRPr lang="en-GB" sz="2800" dirty="0"/>
+          </a:p>
+        </p:txBody>
+      </p:sp>
+      <p:sp>
+        <p:nvSpPr>
+          <p:cNvPr id="10" name="Subtitle 2">
+            <a:extLst>
+              <a:ext uri="{FF2B5EF4-FFF2-40B4-BE49-F238E27FC236}">
+                <a16:creationId xmlns:a16="http://schemas.microsoft.com/office/drawing/2014/main" id="{B3FD5E97-98C7-A950-C7C4-F8D14162E7B8}"/>
+              </a:ext>
+            </a:extLst>
+          </p:cNvPr>
+          <p:cNvSpPr txBox="1">
+            <a:spLocks/>
+          </p:cNvSpPr>
+          <p:nvPr/>
+        </p:nvSpPr>
+        <p:spPr>
+          <a:xfrm>
+            <a:off x="4166530" y="4798211"/>
+            <a:ext cx="1496039" cy="527301"/>
+          </a:xfrm>
+          <a:prstGeom prst="rect">
+            <a:avLst/>
+          </a:prstGeom>
+          <a:ln w="19050"/>
+        </p:spPr>
+        <p:style>
+          <a:lnRef idx="2">
+            <a:schemeClr val="dk1"/>
+          </a:lnRef>
+          <a:fillRef idx="1">
+            <a:schemeClr val="lt1"/>
+          </a:fillRef>
+          <a:effectRef idx="0">
+            <a:schemeClr val="dk1"/>
+          </a:effectRef>
+          <a:fontRef idx="minor">
+            <a:schemeClr val="dk1"/>
+          </a:fontRef>
+        </p:style>
+        <p:txBody>
+          <a:bodyPr vert="horz" lIns="91440" tIns="45720" rIns="91440" bIns="45720" rtlCol="0">
+            <a:normAutofit/>
+          </a:bodyPr>
+          <a:lstStyle>
+            <a:lvl1pPr marL="0" indent="0" algn="ctr" defTabSz="914400" rtl="0" eaLnBrk="1" latinLnBrk="0" hangingPunct="1">
+              <a:lnSpc>
+                <a:spcPct val="90000"/>
+              </a:lnSpc>
+              <a:spcBef>
+                <a:spcPts val="1000"/>
+              </a:spcBef>
+              <a:buFont typeface="Arial" panose="020B0604020202020204" pitchFamily="34" charset="0"/>
+              <a:buNone/>
+              <a:defRPr sz="2400" kern="1200">
+                <a:solidFill>
+                  <a:schemeClr val="tx1"/>
+                </a:solidFill>
+                <a:latin typeface="+mn-lt"/>
+                <a:ea typeface="+mn-ea"/>
+                <a:cs typeface="+mn-cs"/>
+              </a:defRPr>
+            </a:lvl1pPr>
+            <a:lvl2pPr marL="457200" indent="0" algn="ctr" defTabSz="914400" rtl="0" eaLnBrk="1" latinLnBrk="0" hangingPunct="1">
+              <a:lnSpc>
+                <a:spcPct val="90000"/>
+              </a:lnSpc>
+              <a:spcBef>
+                <a:spcPts val="500"/>
+              </a:spcBef>
+              <a:buFont typeface="Arial" panose="020B0604020202020204" pitchFamily="34" charset="0"/>
+              <a:buNone/>
+              <a:defRPr sz="2000" kern="1200">
+                <a:solidFill>
+                  <a:schemeClr val="tx1"/>
+                </a:solidFill>
+                <a:latin typeface="+mn-lt"/>
+                <a:ea typeface="+mn-ea"/>
+                <a:cs typeface="+mn-cs"/>
+              </a:defRPr>
+            </a:lvl2pPr>
+            <a:lvl3pPr marL="914400" indent="0" algn="ctr" defTabSz="914400" rtl="0" eaLnBrk="1" latinLnBrk="0" hangingPunct="1">
+              <a:lnSpc>
+                <a:spcPct val="90000"/>
+              </a:lnSpc>
+              <a:spcBef>
+                <a:spcPts val="500"/>
+              </a:spcBef>
+              <a:buFont typeface="Arial" panose="020B0604020202020204" pitchFamily="34" charset="0"/>
+              <a:buNone/>
+              <a:defRPr sz="1800" kern="1200">
+                <a:solidFill>
+                  <a:schemeClr val="tx1"/>
+                </a:solidFill>
+                <a:latin typeface="+mn-lt"/>
+                <a:ea typeface="+mn-ea"/>
+                <a:cs typeface="+mn-cs"/>
+              </a:defRPr>
+            </a:lvl3pPr>
+            <a:lvl4pPr marL="1371600" indent="0" algn="ctr" defTabSz="914400" rtl="0" eaLnBrk="1" latinLnBrk="0" hangingPunct="1">
+              <a:lnSpc>
+                <a:spcPct val="90000"/>
+              </a:lnSpc>
+              <a:spcBef>
+                <a:spcPts val="500"/>
+              </a:spcBef>
+              <a:buFont typeface="Arial" panose="020B0604020202020204" pitchFamily="34" charset="0"/>
+              <a:buNone/>
+              <a:defRPr sz="1600" kern="1200">
+                <a:solidFill>
+                  <a:schemeClr val="tx1"/>
+                </a:solidFill>
+                <a:latin typeface="+mn-lt"/>
+                <a:ea typeface="+mn-ea"/>
+                <a:cs typeface="+mn-cs"/>
+              </a:defRPr>
+            </a:lvl4pPr>
+            <a:lvl5pPr marL="1828800" indent="0" algn="ctr" defTabSz="914400" rtl="0" eaLnBrk="1" latinLnBrk="0" hangingPunct="1">
+              <a:lnSpc>
+                <a:spcPct val="90000"/>
+              </a:lnSpc>
+              <a:spcBef>
+                <a:spcPts val="500"/>
+              </a:spcBef>
+              <a:buFont typeface="Arial" panose="020B0604020202020204" pitchFamily="34" charset="0"/>
+              <a:buNone/>
+              <a:defRPr sz="1600" kern="1200">
+                <a:solidFill>
+                  <a:schemeClr val="tx1"/>
+                </a:solidFill>
+                <a:latin typeface="+mn-lt"/>
+                <a:ea typeface="+mn-ea"/>
+                <a:cs typeface="+mn-cs"/>
+              </a:defRPr>
+            </a:lvl5pPr>
+            <a:lvl6pPr marL="2286000" indent="0" algn="ctr" defTabSz="914400" rtl="0" eaLnBrk="1" latinLnBrk="0" hangingPunct="1">
+              <a:lnSpc>
+                <a:spcPct val="90000"/>
+              </a:lnSpc>
+              <a:spcBef>
+                <a:spcPts val="500"/>
+              </a:spcBef>
+              <a:buFont typeface="Arial" panose="020B0604020202020204" pitchFamily="34" charset="0"/>
+              <a:buNone/>
+              <a:defRPr sz="1600" kern="1200">
+                <a:solidFill>
+                  <a:schemeClr val="tx1"/>
+                </a:solidFill>
+                <a:latin typeface="+mn-lt"/>
+                <a:ea typeface="+mn-ea"/>
+                <a:cs typeface="+mn-cs"/>
+              </a:defRPr>
+            </a:lvl6pPr>
+            <a:lvl7pPr marL="2743200" indent="0" algn="ctr" defTabSz="914400" rtl="0" eaLnBrk="1" latinLnBrk="0" hangingPunct="1">
+              <a:lnSpc>
+                <a:spcPct val="90000"/>
+              </a:lnSpc>
+              <a:spcBef>
+                <a:spcPts val="500"/>
+              </a:spcBef>
+              <a:buFont typeface="Arial" panose="020B0604020202020204" pitchFamily="34" charset="0"/>
+              <a:buNone/>
+              <a:defRPr sz="1600" kern="1200">
+                <a:solidFill>
+                  <a:schemeClr val="tx1"/>
+                </a:solidFill>
+                <a:latin typeface="+mn-lt"/>
+                <a:ea typeface="+mn-ea"/>
+                <a:cs typeface="+mn-cs"/>
+              </a:defRPr>
+            </a:lvl7pPr>
+            <a:lvl8pPr marL="3200400" indent="0" algn="ctr" defTabSz="914400" rtl="0" eaLnBrk="1" latinLnBrk="0" hangingPunct="1">
+              <a:lnSpc>
+                <a:spcPct val="90000"/>
+              </a:lnSpc>
+              <a:spcBef>
+                <a:spcPts val="500"/>
+              </a:spcBef>
+              <a:buFont typeface="Arial" panose="020B0604020202020204" pitchFamily="34" charset="0"/>
+              <a:buNone/>
+              <a:defRPr sz="1600" kern="1200">
+                <a:solidFill>
+                  <a:schemeClr val="tx1"/>
+                </a:solidFill>
+                <a:latin typeface="+mn-lt"/>
+                <a:ea typeface="+mn-ea"/>
+                <a:cs typeface="+mn-cs"/>
+              </a:defRPr>
+            </a:lvl8pPr>
+            <a:lvl9pPr marL="3657600" indent="0" algn="ctr" defTabSz="914400" rtl="0" eaLnBrk="1" latinLnBrk="0" hangingPunct="1">
+              <a:lnSpc>
+                <a:spcPct val="90000"/>
+              </a:lnSpc>
+              <a:spcBef>
+                <a:spcPts val="500"/>
+              </a:spcBef>
+              <a:buFont typeface="Arial" panose="020B0604020202020204" pitchFamily="34" charset="0"/>
+              <a:buNone/>
+              <a:defRPr sz="1600" kern="1200">
+                <a:solidFill>
+                  <a:schemeClr val="tx1"/>
+                </a:solidFill>
+                <a:latin typeface="+mn-lt"/>
+                <a:ea typeface="+mn-ea"/>
+                <a:cs typeface="+mn-cs"/>
+              </a:defRPr>
+            </a:lvl9pPr>
+          </a:lstStyle>
+          <a:p>
+            <a:r>
+              <a:rPr lang="de-DE" sz="3000" b="1" dirty="0">
+                <a:latin typeface="Bahnschrift Light" panose="020B0502040204020203" pitchFamily="34" charset="0"/>
+              </a:rPr>
+              <a:t>print(a)</a:t>
+            </a:r>
+          </a:p>
+          <a:p>
+            <a:endParaRPr lang="en-GB" sz="2800" dirty="0"/>
+          </a:p>
+        </p:txBody>
+      </p:sp>
+      <p:sp>
+        <p:nvSpPr>
+          <p:cNvPr id="16" name="Subtitle 2">
+            <a:extLst>
+              <a:ext uri="{FF2B5EF4-FFF2-40B4-BE49-F238E27FC236}">
+                <a16:creationId xmlns:a16="http://schemas.microsoft.com/office/drawing/2014/main" id="{87E93FB6-30AB-5B4B-EED7-51699459CD22}"/>
+              </a:ext>
+            </a:extLst>
+          </p:cNvPr>
+          <p:cNvSpPr txBox="1">
+            <a:spLocks/>
+          </p:cNvSpPr>
+          <p:nvPr/>
+        </p:nvSpPr>
+        <p:spPr>
+          <a:xfrm>
+            <a:off x="6143539" y="4808105"/>
+            <a:ext cx="1496038" cy="527301"/>
+          </a:xfrm>
+          <a:prstGeom prst="rect">
+            <a:avLst/>
+          </a:prstGeom>
+          <a:ln w="19050"/>
+        </p:spPr>
+        <p:style>
+          <a:lnRef idx="2">
+            <a:schemeClr val="dk1"/>
+          </a:lnRef>
+          <a:fillRef idx="1">
+            <a:schemeClr val="lt1"/>
+          </a:fillRef>
+          <a:effectRef idx="0">
+            <a:schemeClr val="dk1"/>
+          </a:effectRef>
+          <a:fontRef idx="minor">
+            <a:schemeClr val="dk1"/>
+          </a:fontRef>
+        </p:style>
+        <p:txBody>
+          <a:bodyPr vert="horz" lIns="91440" tIns="45720" rIns="91440" bIns="45720" rtlCol="0">
+            <a:normAutofit/>
+          </a:bodyPr>
+          <a:lstStyle>
+            <a:lvl1pPr marL="0" indent="0" algn="ctr" defTabSz="914400" rtl="0" eaLnBrk="1" latinLnBrk="0" hangingPunct="1">
+              <a:lnSpc>
+                <a:spcPct val="90000"/>
+              </a:lnSpc>
+              <a:spcBef>
+                <a:spcPts val="1000"/>
+              </a:spcBef>
+              <a:buFont typeface="Arial" panose="020B0604020202020204" pitchFamily="34" charset="0"/>
+              <a:buNone/>
+              <a:defRPr sz="2400" kern="1200">
+                <a:solidFill>
+                  <a:schemeClr val="tx1"/>
+                </a:solidFill>
+                <a:latin typeface="+mn-lt"/>
+                <a:ea typeface="+mn-ea"/>
+                <a:cs typeface="+mn-cs"/>
+              </a:defRPr>
+            </a:lvl1pPr>
+            <a:lvl2pPr marL="457200" indent="0" algn="ctr" defTabSz="914400" rtl="0" eaLnBrk="1" latinLnBrk="0" hangingPunct="1">
+              <a:lnSpc>
+                <a:spcPct val="90000"/>
+              </a:lnSpc>
+              <a:spcBef>
+                <a:spcPts val="500"/>
+              </a:spcBef>
+              <a:buFont typeface="Arial" panose="020B0604020202020204" pitchFamily="34" charset="0"/>
+              <a:buNone/>
+              <a:defRPr sz="2000" kern="1200">
+                <a:solidFill>
+                  <a:schemeClr val="tx1"/>
+                </a:solidFill>
+                <a:latin typeface="+mn-lt"/>
+                <a:ea typeface="+mn-ea"/>
+                <a:cs typeface="+mn-cs"/>
+              </a:defRPr>
+            </a:lvl2pPr>
+            <a:lvl3pPr marL="914400" indent="0" algn="ctr" defTabSz="914400" rtl="0" eaLnBrk="1" latinLnBrk="0" hangingPunct="1">
+              <a:lnSpc>
+                <a:spcPct val="90000"/>
+              </a:lnSpc>
+              <a:spcBef>
+                <a:spcPts val="500"/>
+              </a:spcBef>
+              <a:buFont typeface="Arial" panose="020B0604020202020204" pitchFamily="34" charset="0"/>
+              <a:buNone/>
+              <a:defRPr sz="1800" kern="1200">
+                <a:solidFill>
+                  <a:schemeClr val="tx1"/>
+                </a:solidFill>
+                <a:latin typeface="+mn-lt"/>
+                <a:ea typeface="+mn-ea"/>
+                <a:cs typeface="+mn-cs"/>
+              </a:defRPr>
+            </a:lvl3pPr>
+            <a:lvl4pPr marL="1371600" indent="0" algn="ctr" defTabSz="914400" rtl="0" eaLnBrk="1" latinLnBrk="0" hangingPunct="1">
+              <a:lnSpc>
+                <a:spcPct val="90000"/>
+              </a:lnSpc>
+              <a:spcBef>
+                <a:spcPts val="500"/>
+              </a:spcBef>
+              <a:buFont typeface="Arial" panose="020B0604020202020204" pitchFamily="34" charset="0"/>
+              <a:buNone/>
+              <a:defRPr sz="1600" kern="1200">
+                <a:solidFill>
+                  <a:schemeClr val="tx1"/>
+                </a:solidFill>
+                <a:latin typeface="+mn-lt"/>
+                <a:ea typeface="+mn-ea"/>
+                <a:cs typeface="+mn-cs"/>
+              </a:defRPr>
+            </a:lvl4pPr>
+            <a:lvl5pPr marL="1828800" indent="0" algn="ctr" defTabSz="914400" rtl="0" eaLnBrk="1" latinLnBrk="0" hangingPunct="1">
+              <a:lnSpc>
+                <a:spcPct val="90000"/>
+              </a:lnSpc>
+              <a:spcBef>
+                <a:spcPts val="500"/>
+              </a:spcBef>
+              <a:buFont typeface="Arial" panose="020B0604020202020204" pitchFamily="34" charset="0"/>
+              <a:buNone/>
+              <a:defRPr sz="1600" kern="1200">
+                <a:solidFill>
+                  <a:schemeClr val="tx1"/>
+                </a:solidFill>
+                <a:latin typeface="+mn-lt"/>
+                <a:ea typeface="+mn-ea"/>
+                <a:cs typeface="+mn-cs"/>
+              </a:defRPr>
+            </a:lvl5pPr>
+            <a:lvl6pPr marL="2286000" indent="0" algn="ctr" defTabSz="914400" rtl="0" eaLnBrk="1" latinLnBrk="0" hangingPunct="1">
+              <a:lnSpc>
+                <a:spcPct val="90000"/>
+              </a:lnSpc>
+              <a:spcBef>
+                <a:spcPts val="500"/>
+              </a:spcBef>
+              <a:buFont typeface="Arial" panose="020B0604020202020204" pitchFamily="34" charset="0"/>
+              <a:buNone/>
+              <a:defRPr sz="1600" kern="1200">
+                <a:solidFill>
+                  <a:schemeClr val="tx1"/>
+                </a:solidFill>
+                <a:latin typeface="+mn-lt"/>
+                <a:ea typeface="+mn-ea"/>
+                <a:cs typeface="+mn-cs"/>
+              </a:defRPr>
+            </a:lvl6pPr>
+            <a:lvl7pPr marL="2743200" indent="0" algn="ctr" defTabSz="914400" rtl="0" eaLnBrk="1" latinLnBrk="0" hangingPunct="1">
+              <a:lnSpc>
+                <a:spcPct val="90000"/>
+              </a:lnSpc>
+              <a:spcBef>
+                <a:spcPts val="500"/>
+              </a:spcBef>
+              <a:buFont typeface="Arial" panose="020B0604020202020204" pitchFamily="34" charset="0"/>
+              <a:buNone/>
+              <a:defRPr sz="1600" kern="1200">
+                <a:solidFill>
+                  <a:schemeClr val="tx1"/>
+                </a:solidFill>
+                <a:latin typeface="+mn-lt"/>
+                <a:ea typeface="+mn-ea"/>
+                <a:cs typeface="+mn-cs"/>
+              </a:defRPr>
+            </a:lvl7pPr>
+            <a:lvl8pPr marL="3200400" indent="0" algn="ctr" defTabSz="914400" rtl="0" eaLnBrk="1" latinLnBrk="0" hangingPunct="1">
+              <a:lnSpc>
+                <a:spcPct val="90000"/>
+              </a:lnSpc>
+              <a:spcBef>
+                <a:spcPts val="500"/>
+              </a:spcBef>
+              <a:buFont typeface="Arial" panose="020B0604020202020204" pitchFamily="34" charset="0"/>
+              <a:buNone/>
+              <a:defRPr sz="1600" kern="1200">
+                <a:solidFill>
+                  <a:schemeClr val="tx1"/>
+                </a:solidFill>
+                <a:latin typeface="+mn-lt"/>
+                <a:ea typeface="+mn-ea"/>
+                <a:cs typeface="+mn-cs"/>
+              </a:defRPr>
+            </a:lvl8pPr>
+            <a:lvl9pPr marL="3657600" indent="0" algn="ctr" defTabSz="914400" rtl="0" eaLnBrk="1" latinLnBrk="0" hangingPunct="1">
+              <a:lnSpc>
+                <a:spcPct val="90000"/>
+              </a:lnSpc>
+              <a:spcBef>
+                <a:spcPts val="500"/>
+              </a:spcBef>
+              <a:buFont typeface="Arial" panose="020B0604020202020204" pitchFamily="34" charset="0"/>
+              <a:buNone/>
+              <a:defRPr sz="1600" kern="1200">
+                <a:solidFill>
+                  <a:schemeClr val="tx1"/>
+                </a:solidFill>
+                <a:latin typeface="+mn-lt"/>
+                <a:ea typeface="+mn-ea"/>
+                <a:cs typeface="+mn-cs"/>
+              </a:defRPr>
+            </a:lvl9pPr>
+          </a:lstStyle>
+          <a:p>
+            <a:r>
+              <a:rPr lang="de-DE" sz="3000" b="1" dirty="0">
+                <a:latin typeface="Bahnschrift Light" panose="020B0502040204020203" pitchFamily="34" charset="0"/>
+              </a:rPr>
+              <a:t>print(a)</a:t>
+            </a:r>
+          </a:p>
+          <a:p>
+            <a:endParaRPr lang="en-GB" sz="2800" dirty="0"/>
+          </a:p>
+        </p:txBody>
+      </p:sp>
+      <p:sp>
+        <p:nvSpPr>
+          <p:cNvPr id="17" name="Subtitle 2">
+            <a:extLst>
+              <a:ext uri="{FF2B5EF4-FFF2-40B4-BE49-F238E27FC236}">
+                <a16:creationId xmlns:a16="http://schemas.microsoft.com/office/drawing/2014/main" id="{0E1D563C-2AE8-2C84-7E9B-8BD619D4ED0B}"/>
+              </a:ext>
+            </a:extLst>
+          </p:cNvPr>
+          <p:cNvSpPr txBox="1">
+            <a:spLocks/>
+          </p:cNvSpPr>
+          <p:nvPr/>
+        </p:nvSpPr>
+        <p:spPr>
+          <a:xfrm>
+            <a:off x="6143539" y="3433402"/>
+            <a:ext cx="1496038" cy="527301"/>
+          </a:xfrm>
+          <a:prstGeom prst="rect">
+            <a:avLst/>
+          </a:prstGeom>
+          <a:ln w="19050"/>
+        </p:spPr>
+        <p:style>
+          <a:lnRef idx="2">
+            <a:schemeClr val="dk1"/>
+          </a:lnRef>
+          <a:fillRef idx="1">
+            <a:schemeClr val="lt1"/>
+          </a:fillRef>
+          <a:effectRef idx="0">
+            <a:schemeClr val="dk1"/>
+          </a:effectRef>
+          <a:fontRef idx="minor">
+            <a:schemeClr val="dk1"/>
+          </a:fontRef>
+        </p:style>
+        <p:txBody>
+          <a:bodyPr vert="horz" lIns="91440" tIns="45720" rIns="91440" bIns="45720" rtlCol="0">
+            <a:normAutofit/>
+          </a:bodyPr>
+          <a:lstStyle>
+            <a:lvl1pPr marL="0" indent="0" algn="ctr" defTabSz="914400" rtl="0" eaLnBrk="1" latinLnBrk="0" hangingPunct="1">
+              <a:lnSpc>
+                <a:spcPct val="90000"/>
+              </a:lnSpc>
+              <a:spcBef>
+                <a:spcPts val="1000"/>
+              </a:spcBef>
+              <a:buFont typeface="Arial" panose="020B0604020202020204" pitchFamily="34" charset="0"/>
+              <a:buNone/>
+              <a:defRPr sz="2400" kern="1200">
+                <a:solidFill>
+                  <a:schemeClr val="tx1"/>
+                </a:solidFill>
+                <a:latin typeface="+mn-lt"/>
+                <a:ea typeface="+mn-ea"/>
+                <a:cs typeface="+mn-cs"/>
+              </a:defRPr>
+            </a:lvl1pPr>
+            <a:lvl2pPr marL="457200" indent="0" algn="ctr" defTabSz="914400" rtl="0" eaLnBrk="1" latinLnBrk="0" hangingPunct="1">
+              <a:lnSpc>
+                <a:spcPct val="90000"/>
+              </a:lnSpc>
+              <a:spcBef>
+                <a:spcPts val="500"/>
+              </a:spcBef>
+              <a:buFont typeface="Arial" panose="020B0604020202020204" pitchFamily="34" charset="0"/>
+              <a:buNone/>
+              <a:defRPr sz="2000" kern="1200">
+                <a:solidFill>
+                  <a:schemeClr val="tx1"/>
+                </a:solidFill>
+                <a:latin typeface="+mn-lt"/>
+                <a:ea typeface="+mn-ea"/>
+                <a:cs typeface="+mn-cs"/>
+              </a:defRPr>
+            </a:lvl2pPr>
+            <a:lvl3pPr marL="914400" indent="0" algn="ctr" defTabSz="914400" rtl="0" eaLnBrk="1" latinLnBrk="0" hangingPunct="1">
+              <a:lnSpc>
+                <a:spcPct val="90000"/>
+              </a:lnSpc>
+              <a:spcBef>
+                <a:spcPts val="500"/>
+              </a:spcBef>
+              <a:buFont typeface="Arial" panose="020B0604020202020204" pitchFamily="34" charset="0"/>
+              <a:buNone/>
+              <a:defRPr sz="1800" kern="1200">
+                <a:solidFill>
+                  <a:schemeClr val="tx1"/>
+                </a:solidFill>
+                <a:latin typeface="+mn-lt"/>
+                <a:ea typeface="+mn-ea"/>
+                <a:cs typeface="+mn-cs"/>
+              </a:defRPr>
+            </a:lvl3pPr>
+            <a:lvl4pPr marL="1371600" indent="0" algn="ctr" defTabSz="914400" rtl="0" eaLnBrk="1" latinLnBrk="0" hangingPunct="1">
+              <a:lnSpc>
+                <a:spcPct val="90000"/>
+              </a:lnSpc>
+              <a:spcBef>
+                <a:spcPts val="500"/>
+              </a:spcBef>
+              <a:buFont typeface="Arial" panose="020B0604020202020204" pitchFamily="34" charset="0"/>
+              <a:buNone/>
+              <a:defRPr sz="1600" kern="1200">
+                <a:solidFill>
+                  <a:schemeClr val="tx1"/>
+                </a:solidFill>
+                <a:latin typeface="+mn-lt"/>
+                <a:ea typeface="+mn-ea"/>
+                <a:cs typeface="+mn-cs"/>
+              </a:defRPr>
+            </a:lvl4pPr>
+            <a:lvl5pPr marL="1828800" indent="0" algn="ctr" defTabSz="914400" rtl="0" eaLnBrk="1" latinLnBrk="0" hangingPunct="1">
+              <a:lnSpc>
+                <a:spcPct val="90000"/>
+              </a:lnSpc>
+              <a:spcBef>
+                <a:spcPts val="500"/>
+              </a:spcBef>
+              <a:buFont typeface="Arial" panose="020B0604020202020204" pitchFamily="34" charset="0"/>
+              <a:buNone/>
+              <a:defRPr sz="1600" kern="1200">
+                <a:solidFill>
+                  <a:schemeClr val="tx1"/>
+                </a:solidFill>
+                <a:latin typeface="+mn-lt"/>
+                <a:ea typeface="+mn-ea"/>
+                <a:cs typeface="+mn-cs"/>
+              </a:defRPr>
+            </a:lvl5pPr>
+            <a:lvl6pPr marL="2286000" indent="0" algn="ctr" defTabSz="914400" rtl="0" eaLnBrk="1" latinLnBrk="0" hangingPunct="1">
+              <a:lnSpc>
+                <a:spcPct val="90000"/>
+              </a:lnSpc>
+              <a:spcBef>
+                <a:spcPts val="500"/>
+              </a:spcBef>
+              <a:buFont typeface="Arial" panose="020B0604020202020204" pitchFamily="34" charset="0"/>
+              <a:buNone/>
+              <a:defRPr sz="1600" kern="1200">
+                <a:solidFill>
+                  <a:schemeClr val="tx1"/>
+                </a:solidFill>
+                <a:latin typeface="+mn-lt"/>
+                <a:ea typeface="+mn-ea"/>
+                <a:cs typeface="+mn-cs"/>
+              </a:defRPr>
+            </a:lvl6pPr>
+            <a:lvl7pPr marL="2743200" indent="0" algn="ctr" defTabSz="914400" rtl="0" eaLnBrk="1" latinLnBrk="0" hangingPunct="1">
+              <a:lnSpc>
+                <a:spcPct val="90000"/>
+              </a:lnSpc>
+              <a:spcBef>
+                <a:spcPts val="500"/>
+              </a:spcBef>
+              <a:buFont typeface="Arial" panose="020B0604020202020204" pitchFamily="34" charset="0"/>
+              <a:buNone/>
+              <a:defRPr sz="1600" kern="1200">
+                <a:solidFill>
+                  <a:schemeClr val="tx1"/>
+                </a:solidFill>
+                <a:latin typeface="+mn-lt"/>
+                <a:ea typeface="+mn-ea"/>
+                <a:cs typeface="+mn-cs"/>
+              </a:defRPr>
+            </a:lvl7pPr>
+            <a:lvl8pPr marL="3200400" indent="0" algn="ctr" defTabSz="914400" rtl="0" eaLnBrk="1" latinLnBrk="0" hangingPunct="1">
+              <a:lnSpc>
+                <a:spcPct val="90000"/>
+              </a:lnSpc>
+              <a:spcBef>
+                <a:spcPts val="500"/>
+              </a:spcBef>
+              <a:buFont typeface="Arial" panose="020B0604020202020204" pitchFamily="34" charset="0"/>
+              <a:buNone/>
+              <a:defRPr sz="1600" kern="1200">
+                <a:solidFill>
+                  <a:schemeClr val="tx1"/>
+                </a:solidFill>
+                <a:latin typeface="+mn-lt"/>
+                <a:ea typeface="+mn-ea"/>
+                <a:cs typeface="+mn-cs"/>
+              </a:defRPr>
+            </a:lvl8pPr>
+            <a:lvl9pPr marL="3657600" indent="0" algn="ctr" defTabSz="914400" rtl="0" eaLnBrk="1" latinLnBrk="0" hangingPunct="1">
+              <a:lnSpc>
+                <a:spcPct val="90000"/>
+              </a:lnSpc>
+              <a:spcBef>
+                <a:spcPts val="500"/>
+              </a:spcBef>
+              <a:buFont typeface="Arial" panose="020B0604020202020204" pitchFamily="34" charset="0"/>
+              <a:buNone/>
+              <a:defRPr sz="1600" kern="1200">
+                <a:solidFill>
+                  <a:schemeClr val="tx1"/>
+                </a:solidFill>
+                <a:latin typeface="+mn-lt"/>
+                <a:ea typeface="+mn-ea"/>
+                <a:cs typeface="+mn-cs"/>
+              </a:defRPr>
+            </a:lvl9pPr>
+          </a:lstStyle>
+          <a:p>
+            <a:r>
+              <a:rPr lang="de-DE" sz="3000" b="1" dirty="0">
+                <a:latin typeface="Bahnschrift Light" panose="020B0502040204020203" pitchFamily="34" charset="0"/>
+              </a:rPr>
+              <a:t>a=10</a:t>
+            </a:r>
+          </a:p>
+          <a:p>
+            <a:endParaRPr lang="en-GB" sz="2800" dirty="0"/>
+          </a:p>
+        </p:txBody>
+      </p:sp>
+      <p:cxnSp>
+        <p:nvCxnSpPr>
+          <p:cNvPr id="20" name="Connector: Elbow 19">
+            <a:extLst>
+              <a:ext uri="{FF2B5EF4-FFF2-40B4-BE49-F238E27FC236}">
+                <a16:creationId xmlns:a16="http://schemas.microsoft.com/office/drawing/2014/main" id="{852FB10B-7B58-D030-B9AF-A2F5B04D2595}"/>
+              </a:ext>
+            </a:extLst>
+          </p:cNvPr>
+          <p:cNvCxnSpPr>
+            <a:cxnSpLocks/>
+            <a:stCxn id="7" idx="3"/>
+            <a:endCxn id="17" idx="0"/>
+          </p:cNvCxnSpPr>
+          <p:nvPr/>
+        </p:nvCxnSpPr>
+        <p:spPr>
+          <a:xfrm>
+            <a:off x="6737059" y="2486860"/>
+            <a:ext cx="154499" cy="946542"/>
+          </a:xfrm>
+          <a:prstGeom prst="bentConnector2">
+            <a:avLst/>
+          </a:prstGeom>
+          <a:ln w="12700">
+            <a:tailEnd type="triangle"/>
+          </a:ln>
+        </p:spPr>
+        <p:style>
+          <a:lnRef idx="1">
+            <a:schemeClr val="dk1"/>
+          </a:lnRef>
+          <a:fillRef idx="0">
+            <a:schemeClr val="dk1"/>
+          </a:fillRef>
+          <a:effectRef idx="0">
+            <a:schemeClr val="dk1"/>
+          </a:effectRef>
+          <a:fontRef idx="minor">
+            <a:schemeClr val="tx1"/>
+          </a:fontRef>
+        </p:style>
+      </p:cxnSp>
+      <p:cxnSp>
+        <p:nvCxnSpPr>
+          <p:cNvPr id="24" name="Connector: Elbow 23">
+            <a:extLst>
+              <a:ext uri="{FF2B5EF4-FFF2-40B4-BE49-F238E27FC236}">
+                <a16:creationId xmlns:a16="http://schemas.microsoft.com/office/drawing/2014/main" id="{06429288-0DB1-34D6-2114-10400A866114}"/>
+              </a:ext>
+            </a:extLst>
+          </p:cNvPr>
+          <p:cNvCxnSpPr>
+            <a:cxnSpLocks/>
+            <a:stCxn id="7" idx="1"/>
+            <a:endCxn id="9" idx="0"/>
+          </p:cNvCxnSpPr>
+          <p:nvPr/>
+        </p:nvCxnSpPr>
+        <p:spPr>
+          <a:xfrm rot="10800000" flipV="1">
+            <a:off x="4914551" y="2486860"/>
+            <a:ext cx="154497" cy="960940"/>
+          </a:xfrm>
+          <a:prstGeom prst="bentConnector2">
+            <a:avLst/>
+          </a:prstGeom>
+          <a:ln w="12700">
+            <a:tailEnd type="triangle"/>
+          </a:ln>
+        </p:spPr>
+        <p:style>
+          <a:lnRef idx="1">
+            <a:schemeClr val="dk1"/>
+          </a:lnRef>
+          <a:fillRef idx="0">
+            <a:schemeClr val="dk1"/>
+          </a:fillRef>
+          <a:effectRef idx="0">
+            <a:schemeClr val="dk1"/>
+          </a:effectRef>
+          <a:fontRef idx="minor">
+            <a:schemeClr val="tx1"/>
+          </a:fontRef>
+        </p:style>
+      </p:cxnSp>
+      <p:cxnSp>
+        <p:nvCxnSpPr>
+          <p:cNvPr id="28" name="Straight Arrow Connector 27">
+            <a:extLst>
+              <a:ext uri="{FF2B5EF4-FFF2-40B4-BE49-F238E27FC236}">
+                <a16:creationId xmlns:a16="http://schemas.microsoft.com/office/drawing/2014/main" id="{5EC58FF3-9594-FB78-327E-6BABF0F538F1}"/>
+              </a:ext>
+            </a:extLst>
+          </p:cNvPr>
+          <p:cNvCxnSpPr>
+            <a:cxnSpLocks/>
+            <a:stCxn id="9" idx="2"/>
+            <a:endCxn id="10" idx="0"/>
+          </p:cNvCxnSpPr>
+          <p:nvPr/>
+        </p:nvCxnSpPr>
+        <p:spPr>
+          <a:xfrm>
+            <a:off x="4914550" y="3975101"/>
+            <a:ext cx="0" cy="823110"/>
+          </a:xfrm>
+          <a:prstGeom prst="straightConnector1">
+            <a:avLst/>
+          </a:prstGeom>
+          <a:ln w="12700">
+            <a:solidFill>
+              <a:schemeClr val="tx1"/>
+            </a:solidFill>
+            <a:tailEnd type="triangle"/>
+          </a:ln>
+        </p:spPr>
+        <p:style>
+          <a:lnRef idx="1">
+            <a:schemeClr val="accent1"/>
+          </a:lnRef>
+          <a:fillRef idx="0">
+            <a:schemeClr val="accent1"/>
+          </a:fillRef>
+          <a:effectRef idx="0">
+            <a:schemeClr val="accent1"/>
+          </a:effectRef>
+          <a:fontRef idx="minor">
+            <a:schemeClr val="tx1"/>
+          </a:fontRef>
+        </p:style>
+      </p:cxnSp>
+      <p:cxnSp>
+        <p:nvCxnSpPr>
+          <p:cNvPr id="34" name="Straight Arrow Connector 33">
+            <a:extLst>
+              <a:ext uri="{FF2B5EF4-FFF2-40B4-BE49-F238E27FC236}">
+                <a16:creationId xmlns:a16="http://schemas.microsoft.com/office/drawing/2014/main" id="{DC761B18-2148-D307-80DB-06C5D480F649}"/>
+              </a:ext>
+            </a:extLst>
+          </p:cNvPr>
+          <p:cNvCxnSpPr>
+            <a:cxnSpLocks/>
+            <a:stCxn id="17" idx="2"/>
+            <a:endCxn id="16" idx="0"/>
+          </p:cNvCxnSpPr>
+          <p:nvPr/>
+        </p:nvCxnSpPr>
+        <p:spPr>
+          <a:xfrm>
+            <a:off x="6891558" y="3960703"/>
+            <a:ext cx="0" cy="847402"/>
+          </a:xfrm>
+          <a:prstGeom prst="straightConnector1">
+            <a:avLst/>
+          </a:prstGeom>
+          <a:ln w="12700">
+            <a:solidFill>
+              <a:schemeClr val="tx1"/>
+            </a:solidFill>
+            <a:tailEnd type="triangle"/>
+          </a:ln>
+        </p:spPr>
+        <p:style>
+          <a:lnRef idx="1">
+            <a:schemeClr val="accent1"/>
+          </a:lnRef>
+          <a:fillRef idx="0">
+            <a:schemeClr val="accent1"/>
+          </a:fillRef>
+          <a:effectRef idx="0">
+            <a:schemeClr val="accent1"/>
+          </a:effectRef>
+          <a:fontRef idx="minor">
+            <a:schemeClr val="tx1"/>
+          </a:fontRef>
+        </p:style>
+      </p:cxnSp>
+      <p:cxnSp>
+        <p:nvCxnSpPr>
+          <p:cNvPr id="36" name="Straight Arrow Connector 35">
+            <a:extLst>
+              <a:ext uri="{FF2B5EF4-FFF2-40B4-BE49-F238E27FC236}">
+                <a16:creationId xmlns:a16="http://schemas.microsoft.com/office/drawing/2014/main" id="{3B2A00BE-8F99-FE1B-C96A-5DD8BC33F668}"/>
+              </a:ext>
+            </a:extLst>
+          </p:cNvPr>
+          <p:cNvCxnSpPr>
+            <a:cxnSpLocks/>
+            <a:endCxn id="7" idx="0"/>
+          </p:cNvCxnSpPr>
+          <p:nvPr/>
+        </p:nvCxnSpPr>
+        <p:spPr>
+          <a:xfrm>
+            <a:off x="5903053" y="1694157"/>
+            <a:ext cx="0" cy="371455"/>
+          </a:xfrm>
+          <a:prstGeom prst="straightConnector1">
+            <a:avLst/>
+          </a:prstGeom>
+          <a:ln w="12700">
+            <a:solidFill>
+              <a:schemeClr val="tx1"/>
+            </a:solidFill>
+            <a:tailEnd type="triangle"/>
+          </a:ln>
+        </p:spPr>
+        <p:style>
+          <a:lnRef idx="1">
+            <a:schemeClr val="accent1"/>
+          </a:lnRef>
+          <a:fillRef idx="0">
+            <a:schemeClr val="accent1"/>
+          </a:fillRef>
+          <a:effectRef idx="0">
+            <a:schemeClr val="accent1"/>
+          </a:effectRef>
+          <a:fontRef idx="minor">
+            <a:schemeClr val="tx1"/>
+          </a:fontRef>
+        </p:style>
+      </p:cxnSp>
+      <p:cxnSp>
+        <p:nvCxnSpPr>
+          <p:cNvPr id="38" name="Straight Arrow Connector 37">
+            <a:extLst>
+              <a:ext uri="{FF2B5EF4-FFF2-40B4-BE49-F238E27FC236}">
+                <a16:creationId xmlns:a16="http://schemas.microsoft.com/office/drawing/2014/main" id="{C58B6B41-919D-2037-3D23-9E9E8A8F9EDE}"/>
+              </a:ext>
+            </a:extLst>
+          </p:cNvPr>
+          <p:cNvCxnSpPr>
+            <a:stCxn id="13" idx="2"/>
+            <a:endCxn id="5" idx="0"/>
+          </p:cNvCxnSpPr>
+          <p:nvPr/>
+        </p:nvCxnSpPr>
+        <p:spPr>
+          <a:xfrm>
+            <a:off x="1975607" y="2793532"/>
+            <a:ext cx="0" cy="743636"/>
+          </a:xfrm>
+          <a:prstGeom prst="straightConnector1">
+            <a:avLst/>
+          </a:prstGeom>
+          <a:ln w="12700">
+            <a:solidFill>
+              <a:schemeClr val="tx1"/>
+            </a:solidFill>
+            <a:tailEnd type="triangle"/>
+          </a:ln>
+        </p:spPr>
+        <p:style>
+          <a:lnRef idx="1">
+            <a:schemeClr val="accent1"/>
+          </a:lnRef>
+          <a:fillRef idx="0">
+            <a:schemeClr val="accent1"/>
+          </a:fillRef>
+          <a:effectRef idx="0">
+            <a:schemeClr val="accent1"/>
+          </a:effectRef>
+          <a:fontRef idx="minor">
+            <a:schemeClr val="tx1"/>
+          </a:fontRef>
+        </p:style>
+      </p:cxnSp>
+      <p:cxnSp>
+        <p:nvCxnSpPr>
+          <p:cNvPr id="40" name="Straight Arrow Connector 39">
+            <a:extLst>
+              <a:ext uri="{FF2B5EF4-FFF2-40B4-BE49-F238E27FC236}">
+                <a16:creationId xmlns:a16="http://schemas.microsoft.com/office/drawing/2014/main" id="{80DC8808-4535-8C78-0C7D-A1B9F8996FFD}"/>
+              </a:ext>
+            </a:extLst>
+          </p:cNvPr>
+          <p:cNvCxnSpPr>
+            <a:stCxn id="5" idx="2"/>
+            <a:endCxn id="6" idx="0"/>
+          </p:cNvCxnSpPr>
+          <p:nvPr/>
+        </p:nvCxnSpPr>
+        <p:spPr>
+          <a:xfrm>
+            <a:off x="1975607" y="4064469"/>
+            <a:ext cx="0" cy="743636"/>
+          </a:xfrm>
+          <a:prstGeom prst="straightConnector1">
+            <a:avLst/>
+          </a:prstGeom>
+          <a:ln w="12700">
+            <a:solidFill>
+              <a:schemeClr val="tx1"/>
+            </a:solidFill>
+            <a:tailEnd type="triangle"/>
+          </a:ln>
+        </p:spPr>
+        <p:style>
+          <a:lnRef idx="1">
+            <a:schemeClr val="accent1"/>
+          </a:lnRef>
+          <a:fillRef idx="0">
+            <a:schemeClr val="accent1"/>
+          </a:fillRef>
+          <a:effectRef idx="0">
+            <a:schemeClr val="accent1"/>
+          </a:effectRef>
+          <a:fontRef idx="minor">
+            <a:schemeClr val="tx1"/>
+          </a:fontRef>
+        </p:style>
+      </p:cxnSp>
+      <p:sp>
+        <p:nvSpPr>
+          <p:cNvPr id="53" name="Flowchart: Decision 52">
+            <a:extLst>
+              <a:ext uri="{FF2B5EF4-FFF2-40B4-BE49-F238E27FC236}">
+                <a16:creationId xmlns:a16="http://schemas.microsoft.com/office/drawing/2014/main" id="{3E0DD876-1E40-14B4-B451-FF638EF43756}"/>
+              </a:ext>
+            </a:extLst>
+          </p:cNvPr>
+          <p:cNvSpPr/>
+          <p:nvPr/>
+        </p:nvSpPr>
+        <p:spPr>
+          <a:xfrm>
+            <a:off x="9082479" y="2847276"/>
+            <a:ext cx="1668012" cy="842495"/>
+          </a:xfrm>
+          <a:prstGeom prst="flowChartDecision">
+            <a:avLst/>
+          </a:prstGeom>
+          <a:noFill/>
+          <a:ln w="19050">
+            <a:solidFill>
+              <a:schemeClr val="tx1"/>
+            </a:solidFill>
+          </a:ln>
+        </p:spPr>
+        <p:style>
+          <a:lnRef idx="2">
+            <a:schemeClr val="accent1">
+              <a:shade val="50000"/>
+            </a:schemeClr>
+          </a:lnRef>
+          <a:fillRef idx="1">
+            <a:schemeClr val="accent1"/>
+          </a:fillRef>
+          <a:effectRef idx="0">
+            <a:schemeClr val="accent1"/>
+          </a:effectRef>
+          <a:fontRef idx="minor">
+            <a:schemeClr val="lt1"/>
+          </a:fontRef>
+        </p:style>
+        <p:txBody>
+          <a:bodyPr rtlCol="0" anchor="ctr"/>
+          <a:lstStyle/>
+          <a:p>
+            <a:pPr algn="ctr"/>
+            <a:r>
+              <a:rPr lang="de-DE" dirty="0">
+                <a:solidFill>
+                  <a:schemeClr val="tx1"/>
+                </a:solidFill>
+              </a:rPr>
+              <a:t>if </a:t>
+            </a:r>
+            <a:r>
+              <a:rPr lang="de-DE" dirty="0">
+                <a:solidFill>
+                  <a:schemeClr val="tx1"/>
+                </a:solidFill>
+                <a:latin typeface="Simplified Arabic Fixed" panose="02070309020205020404" pitchFamily="49" charset="-78"/>
+                <a:cs typeface="Simplified Arabic Fixed" panose="02070309020205020404" pitchFamily="49" charset="-78"/>
+              </a:rPr>
+              <a:t>a=10</a:t>
+            </a:r>
+            <a:endParaRPr lang="en-GB" dirty="0">
+              <a:solidFill>
+                <a:schemeClr val="tx1"/>
+              </a:solidFill>
+              <a:latin typeface="Simplified Arabic Fixed" panose="02070309020205020404" pitchFamily="49" charset="-78"/>
+              <a:cs typeface="Simplified Arabic Fixed" panose="02070309020205020404" pitchFamily="49" charset="-78"/>
+            </a:endParaRPr>
+          </a:p>
+        </p:txBody>
+      </p:sp>
+      <p:sp>
+        <p:nvSpPr>
+          <p:cNvPr id="54" name="Subtitle 2">
+            <a:extLst>
+              <a:ext uri="{FF2B5EF4-FFF2-40B4-BE49-F238E27FC236}">
+                <a16:creationId xmlns:a16="http://schemas.microsoft.com/office/drawing/2014/main" id="{2C3046BC-900B-07CD-CA02-7AA9C8DAB933}"/>
+              </a:ext>
+            </a:extLst>
+          </p:cNvPr>
+          <p:cNvSpPr txBox="1">
+            <a:spLocks/>
+          </p:cNvSpPr>
+          <p:nvPr/>
+        </p:nvSpPr>
+        <p:spPr>
+          <a:xfrm>
+            <a:off x="9168465" y="4245180"/>
+            <a:ext cx="1496039" cy="527301"/>
+          </a:xfrm>
+          <a:prstGeom prst="rect">
+            <a:avLst/>
+          </a:prstGeom>
+          <a:ln w="19050"/>
+        </p:spPr>
+        <p:style>
+          <a:lnRef idx="2">
+            <a:schemeClr val="dk1"/>
+          </a:lnRef>
+          <a:fillRef idx="1">
+            <a:schemeClr val="lt1"/>
+          </a:fillRef>
+          <a:effectRef idx="0">
+            <a:schemeClr val="dk1"/>
+          </a:effectRef>
+          <a:fontRef idx="minor">
+            <a:schemeClr val="dk1"/>
+          </a:fontRef>
+        </p:style>
+        <p:txBody>
+          <a:bodyPr vert="horz" lIns="91440" tIns="45720" rIns="91440" bIns="45720" rtlCol="0">
+            <a:normAutofit/>
+          </a:bodyPr>
+          <a:lstStyle>
+            <a:lvl1pPr marL="0" indent="0" algn="ctr" defTabSz="914400" rtl="0" eaLnBrk="1" latinLnBrk="0" hangingPunct="1">
+              <a:lnSpc>
+                <a:spcPct val="90000"/>
+              </a:lnSpc>
+              <a:spcBef>
+                <a:spcPts val="1000"/>
+              </a:spcBef>
+              <a:buFont typeface="Arial" panose="020B0604020202020204" pitchFamily="34" charset="0"/>
+              <a:buNone/>
+              <a:defRPr sz="2400" kern="1200">
+                <a:solidFill>
+                  <a:schemeClr val="tx1"/>
+                </a:solidFill>
+                <a:latin typeface="+mn-lt"/>
+                <a:ea typeface="+mn-ea"/>
+                <a:cs typeface="+mn-cs"/>
+              </a:defRPr>
+            </a:lvl1pPr>
+            <a:lvl2pPr marL="457200" indent="0" algn="ctr" defTabSz="914400" rtl="0" eaLnBrk="1" latinLnBrk="0" hangingPunct="1">
+              <a:lnSpc>
+                <a:spcPct val="90000"/>
+              </a:lnSpc>
+              <a:spcBef>
+                <a:spcPts val="500"/>
+              </a:spcBef>
+              <a:buFont typeface="Arial" panose="020B0604020202020204" pitchFamily="34" charset="0"/>
+              <a:buNone/>
+              <a:defRPr sz="2000" kern="1200">
+                <a:solidFill>
+                  <a:schemeClr val="tx1"/>
+                </a:solidFill>
+                <a:latin typeface="+mn-lt"/>
+                <a:ea typeface="+mn-ea"/>
+                <a:cs typeface="+mn-cs"/>
+              </a:defRPr>
+            </a:lvl2pPr>
+            <a:lvl3pPr marL="914400" indent="0" algn="ctr" defTabSz="914400" rtl="0" eaLnBrk="1" latinLnBrk="0" hangingPunct="1">
+              <a:lnSpc>
+                <a:spcPct val="90000"/>
+              </a:lnSpc>
+              <a:spcBef>
+                <a:spcPts val="500"/>
+              </a:spcBef>
+              <a:buFont typeface="Arial" panose="020B0604020202020204" pitchFamily="34" charset="0"/>
+              <a:buNone/>
+              <a:defRPr sz="1800" kern="1200">
+                <a:solidFill>
+                  <a:schemeClr val="tx1"/>
+                </a:solidFill>
+                <a:latin typeface="+mn-lt"/>
+                <a:ea typeface="+mn-ea"/>
+                <a:cs typeface="+mn-cs"/>
+              </a:defRPr>
+            </a:lvl3pPr>
+            <a:lvl4pPr marL="1371600" indent="0" algn="ctr" defTabSz="914400" rtl="0" eaLnBrk="1" latinLnBrk="0" hangingPunct="1">
+              <a:lnSpc>
+                <a:spcPct val="90000"/>
+              </a:lnSpc>
+              <a:spcBef>
+                <a:spcPts val="500"/>
+              </a:spcBef>
+              <a:buFont typeface="Arial" panose="020B0604020202020204" pitchFamily="34" charset="0"/>
+              <a:buNone/>
+              <a:defRPr sz="1600" kern="1200">
+                <a:solidFill>
+                  <a:schemeClr val="tx1"/>
+                </a:solidFill>
+                <a:latin typeface="+mn-lt"/>
+                <a:ea typeface="+mn-ea"/>
+                <a:cs typeface="+mn-cs"/>
+              </a:defRPr>
+            </a:lvl4pPr>
+            <a:lvl5pPr marL="1828800" indent="0" algn="ctr" defTabSz="914400" rtl="0" eaLnBrk="1" latinLnBrk="0" hangingPunct="1">
+              <a:lnSpc>
+                <a:spcPct val="90000"/>
+              </a:lnSpc>
+              <a:spcBef>
+                <a:spcPts val="500"/>
+              </a:spcBef>
+              <a:buFont typeface="Arial" panose="020B0604020202020204" pitchFamily="34" charset="0"/>
+              <a:buNone/>
+              <a:defRPr sz="1600" kern="1200">
+                <a:solidFill>
+                  <a:schemeClr val="tx1"/>
+                </a:solidFill>
+                <a:latin typeface="+mn-lt"/>
+                <a:ea typeface="+mn-ea"/>
+                <a:cs typeface="+mn-cs"/>
+              </a:defRPr>
+            </a:lvl5pPr>
+            <a:lvl6pPr marL="2286000" indent="0" algn="ctr" defTabSz="914400" rtl="0" eaLnBrk="1" latinLnBrk="0" hangingPunct="1">
+              <a:lnSpc>
+                <a:spcPct val="90000"/>
+              </a:lnSpc>
+              <a:spcBef>
+                <a:spcPts val="500"/>
+              </a:spcBef>
+              <a:buFont typeface="Arial" panose="020B0604020202020204" pitchFamily="34" charset="0"/>
+              <a:buNone/>
+              <a:defRPr sz="1600" kern="1200">
+                <a:solidFill>
+                  <a:schemeClr val="tx1"/>
+                </a:solidFill>
+                <a:latin typeface="+mn-lt"/>
+                <a:ea typeface="+mn-ea"/>
+                <a:cs typeface="+mn-cs"/>
+              </a:defRPr>
+            </a:lvl6pPr>
+            <a:lvl7pPr marL="2743200" indent="0" algn="ctr" defTabSz="914400" rtl="0" eaLnBrk="1" latinLnBrk="0" hangingPunct="1">
+              <a:lnSpc>
+                <a:spcPct val="90000"/>
+              </a:lnSpc>
+              <a:spcBef>
+                <a:spcPts val="500"/>
+              </a:spcBef>
+              <a:buFont typeface="Arial" panose="020B0604020202020204" pitchFamily="34" charset="0"/>
+              <a:buNone/>
+              <a:defRPr sz="1600" kern="1200">
+                <a:solidFill>
+                  <a:schemeClr val="tx1"/>
+                </a:solidFill>
+                <a:latin typeface="+mn-lt"/>
+                <a:ea typeface="+mn-ea"/>
+                <a:cs typeface="+mn-cs"/>
+              </a:defRPr>
+            </a:lvl7pPr>
+            <a:lvl8pPr marL="3200400" indent="0" algn="ctr" defTabSz="914400" rtl="0" eaLnBrk="1" latinLnBrk="0" hangingPunct="1">
+              <a:lnSpc>
+                <a:spcPct val="90000"/>
+              </a:lnSpc>
+              <a:spcBef>
+                <a:spcPts val="500"/>
+              </a:spcBef>
+              <a:buFont typeface="Arial" panose="020B0604020202020204" pitchFamily="34" charset="0"/>
+              <a:buNone/>
+              <a:defRPr sz="1600" kern="1200">
+                <a:solidFill>
+                  <a:schemeClr val="tx1"/>
+                </a:solidFill>
+                <a:latin typeface="+mn-lt"/>
+                <a:ea typeface="+mn-ea"/>
+                <a:cs typeface="+mn-cs"/>
+              </a:defRPr>
+            </a:lvl8pPr>
+            <a:lvl9pPr marL="3657600" indent="0" algn="ctr" defTabSz="914400" rtl="0" eaLnBrk="1" latinLnBrk="0" hangingPunct="1">
+              <a:lnSpc>
+                <a:spcPct val="90000"/>
+              </a:lnSpc>
+              <a:spcBef>
+                <a:spcPts val="500"/>
+              </a:spcBef>
+              <a:buFont typeface="Arial" panose="020B0604020202020204" pitchFamily="34" charset="0"/>
+              <a:buNone/>
+              <a:defRPr sz="1600" kern="1200">
+                <a:solidFill>
+                  <a:schemeClr val="tx1"/>
+                </a:solidFill>
+                <a:latin typeface="+mn-lt"/>
+                <a:ea typeface="+mn-ea"/>
+                <a:cs typeface="+mn-cs"/>
+              </a:defRPr>
+            </a:lvl9pPr>
+          </a:lstStyle>
+          <a:p>
+            <a:r>
+              <a:rPr lang="de-DE" sz="3000" b="1" dirty="0">
+                <a:latin typeface="Bahnschrift Light" panose="020B0502040204020203" pitchFamily="34" charset="0"/>
+              </a:rPr>
+              <a:t>a=a+1</a:t>
+            </a:r>
+          </a:p>
+          <a:p>
+            <a:endParaRPr lang="en-GB" sz="2800" dirty="0"/>
+          </a:p>
+        </p:txBody>
+      </p:sp>
+      <p:sp>
+        <p:nvSpPr>
+          <p:cNvPr id="55" name="Subtitle 2">
+            <a:extLst>
+              <a:ext uri="{FF2B5EF4-FFF2-40B4-BE49-F238E27FC236}">
+                <a16:creationId xmlns:a16="http://schemas.microsoft.com/office/drawing/2014/main" id="{26AB26EC-A40E-7B60-BA88-430FC433E2D1}"/>
+              </a:ext>
+            </a:extLst>
+          </p:cNvPr>
+          <p:cNvSpPr txBox="1">
+            <a:spLocks/>
+          </p:cNvSpPr>
+          <p:nvPr/>
+        </p:nvSpPr>
+        <p:spPr>
+          <a:xfrm>
+            <a:off x="10210800" y="5633727"/>
+            <a:ext cx="1496039" cy="527301"/>
+          </a:xfrm>
+          <a:prstGeom prst="rect">
+            <a:avLst/>
+          </a:prstGeom>
+          <a:ln w="19050"/>
+        </p:spPr>
+        <p:style>
+          <a:lnRef idx="2">
+            <a:schemeClr val="dk1"/>
+          </a:lnRef>
+          <a:fillRef idx="1">
+            <a:schemeClr val="lt1"/>
+          </a:fillRef>
+          <a:effectRef idx="0">
+            <a:schemeClr val="dk1"/>
+          </a:effectRef>
+          <a:fontRef idx="minor">
+            <a:schemeClr val="dk1"/>
+          </a:fontRef>
+        </p:style>
+        <p:txBody>
+          <a:bodyPr vert="horz" lIns="91440" tIns="45720" rIns="91440" bIns="45720" rtlCol="0">
+            <a:normAutofit/>
+          </a:bodyPr>
+          <a:lstStyle>
+            <a:lvl1pPr marL="0" indent="0" algn="ctr" defTabSz="914400" rtl="0" eaLnBrk="1" latinLnBrk="0" hangingPunct="1">
+              <a:lnSpc>
+                <a:spcPct val="90000"/>
+              </a:lnSpc>
+              <a:spcBef>
+                <a:spcPts val="1000"/>
+              </a:spcBef>
+              <a:buFont typeface="Arial" panose="020B0604020202020204" pitchFamily="34" charset="0"/>
+              <a:buNone/>
+              <a:defRPr sz="2400" kern="1200">
+                <a:solidFill>
+                  <a:schemeClr val="tx1"/>
+                </a:solidFill>
+                <a:latin typeface="+mn-lt"/>
+                <a:ea typeface="+mn-ea"/>
+                <a:cs typeface="+mn-cs"/>
+              </a:defRPr>
+            </a:lvl1pPr>
+            <a:lvl2pPr marL="457200" indent="0" algn="ctr" defTabSz="914400" rtl="0" eaLnBrk="1" latinLnBrk="0" hangingPunct="1">
+              <a:lnSpc>
+                <a:spcPct val="90000"/>
+              </a:lnSpc>
+              <a:spcBef>
+                <a:spcPts val="500"/>
+              </a:spcBef>
+              <a:buFont typeface="Arial" panose="020B0604020202020204" pitchFamily="34" charset="0"/>
+              <a:buNone/>
+              <a:defRPr sz="2000" kern="1200">
+                <a:solidFill>
+                  <a:schemeClr val="tx1"/>
+                </a:solidFill>
+                <a:latin typeface="+mn-lt"/>
+                <a:ea typeface="+mn-ea"/>
+                <a:cs typeface="+mn-cs"/>
+              </a:defRPr>
+            </a:lvl2pPr>
+            <a:lvl3pPr marL="914400" indent="0" algn="ctr" defTabSz="914400" rtl="0" eaLnBrk="1" latinLnBrk="0" hangingPunct="1">
+              <a:lnSpc>
+                <a:spcPct val="90000"/>
+              </a:lnSpc>
+              <a:spcBef>
+                <a:spcPts val="500"/>
+              </a:spcBef>
+              <a:buFont typeface="Arial" panose="020B0604020202020204" pitchFamily="34" charset="0"/>
+              <a:buNone/>
+              <a:defRPr sz="1800" kern="1200">
+                <a:solidFill>
+                  <a:schemeClr val="tx1"/>
+                </a:solidFill>
+                <a:latin typeface="+mn-lt"/>
+                <a:ea typeface="+mn-ea"/>
+                <a:cs typeface="+mn-cs"/>
+              </a:defRPr>
+            </a:lvl3pPr>
+            <a:lvl4pPr marL="1371600" indent="0" algn="ctr" defTabSz="914400" rtl="0" eaLnBrk="1" latinLnBrk="0" hangingPunct="1">
+              <a:lnSpc>
+                <a:spcPct val="90000"/>
+              </a:lnSpc>
+              <a:spcBef>
+                <a:spcPts val="500"/>
+              </a:spcBef>
+              <a:buFont typeface="Arial" panose="020B0604020202020204" pitchFamily="34" charset="0"/>
+              <a:buNone/>
+              <a:defRPr sz="1600" kern="1200">
+                <a:solidFill>
+                  <a:schemeClr val="tx1"/>
+                </a:solidFill>
+                <a:latin typeface="+mn-lt"/>
+                <a:ea typeface="+mn-ea"/>
+                <a:cs typeface="+mn-cs"/>
+              </a:defRPr>
+            </a:lvl4pPr>
+            <a:lvl5pPr marL="1828800" indent="0" algn="ctr" defTabSz="914400" rtl="0" eaLnBrk="1" latinLnBrk="0" hangingPunct="1">
+              <a:lnSpc>
+                <a:spcPct val="90000"/>
+              </a:lnSpc>
+              <a:spcBef>
+                <a:spcPts val="500"/>
+              </a:spcBef>
+              <a:buFont typeface="Arial" panose="020B0604020202020204" pitchFamily="34" charset="0"/>
+              <a:buNone/>
+              <a:defRPr sz="1600" kern="1200">
+                <a:solidFill>
+                  <a:schemeClr val="tx1"/>
+                </a:solidFill>
+                <a:latin typeface="+mn-lt"/>
+                <a:ea typeface="+mn-ea"/>
+                <a:cs typeface="+mn-cs"/>
+              </a:defRPr>
+            </a:lvl5pPr>
+            <a:lvl6pPr marL="2286000" indent="0" algn="ctr" defTabSz="914400" rtl="0" eaLnBrk="1" latinLnBrk="0" hangingPunct="1">
+              <a:lnSpc>
+                <a:spcPct val="90000"/>
+              </a:lnSpc>
+              <a:spcBef>
+                <a:spcPts val="500"/>
+              </a:spcBef>
+              <a:buFont typeface="Arial" panose="020B0604020202020204" pitchFamily="34" charset="0"/>
+              <a:buNone/>
+              <a:defRPr sz="1600" kern="1200">
+                <a:solidFill>
+                  <a:schemeClr val="tx1"/>
+                </a:solidFill>
+                <a:latin typeface="+mn-lt"/>
+                <a:ea typeface="+mn-ea"/>
+                <a:cs typeface="+mn-cs"/>
+              </a:defRPr>
+            </a:lvl6pPr>
+            <a:lvl7pPr marL="2743200" indent="0" algn="ctr" defTabSz="914400" rtl="0" eaLnBrk="1" latinLnBrk="0" hangingPunct="1">
+              <a:lnSpc>
+                <a:spcPct val="90000"/>
+              </a:lnSpc>
+              <a:spcBef>
+                <a:spcPts val="500"/>
+              </a:spcBef>
+              <a:buFont typeface="Arial" panose="020B0604020202020204" pitchFamily="34" charset="0"/>
+              <a:buNone/>
+              <a:defRPr sz="1600" kern="1200">
+                <a:solidFill>
+                  <a:schemeClr val="tx1"/>
+                </a:solidFill>
+                <a:latin typeface="+mn-lt"/>
+                <a:ea typeface="+mn-ea"/>
+                <a:cs typeface="+mn-cs"/>
+              </a:defRPr>
+            </a:lvl7pPr>
+            <a:lvl8pPr marL="3200400" indent="0" algn="ctr" defTabSz="914400" rtl="0" eaLnBrk="1" latinLnBrk="0" hangingPunct="1">
+              <a:lnSpc>
+                <a:spcPct val="90000"/>
+              </a:lnSpc>
+              <a:spcBef>
+                <a:spcPts val="500"/>
+              </a:spcBef>
+              <a:buFont typeface="Arial" panose="020B0604020202020204" pitchFamily="34" charset="0"/>
+              <a:buNone/>
+              <a:defRPr sz="1600" kern="1200">
+                <a:solidFill>
+                  <a:schemeClr val="tx1"/>
+                </a:solidFill>
+                <a:latin typeface="+mn-lt"/>
+                <a:ea typeface="+mn-ea"/>
+                <a:cs typeface="+mn-cs"/>
+              </a:defRPr>
+            </a:lvl8pPr>
+            <a:lvl9pPr marL="3657600" indent="0" algn="ctr" defTabSz="914400" rtl="0" eaLnBrk="1" latinLnBrk="0" hangingPunct="1">
+              <a:lnSpc>
+                <a:spcPct val="90000"/>
+              </a:lnSpc>
+              <a:spcBef>
+                <a:spcPts val="500"/>
+              </a:spcBef>
+              <a:buFont typeface="Arial" panose="020B0604020202020204" pitchFamily="34" charset="0"/>
+              <a:buNone/>
+              <a:defRPr sz="1600" kern="1200">
+                <a:solidFill>
+                  <a:schemeClr val="tx1"/>
+                </a:solidFill>
+                <a:latin typeface="+mn-lt"/>
+                <a:ea typeface="+mn-ea"/>
+                <a:cs typeface="+mn-cs"/>
+              </a:defRPr>
+            </a:lvl9pPr>
+          </a:lstStyle>
+          <a:p>
+            <a:r>
+              <a:rPr lang="de-DE" sz="3000" b="1" dirty="0">
+                <a:latin typeface="Bahnschrift Light" panose="020B0502040204020203" pitchFamily="34" charset="0"/>
+              </a:rPr>
+              <a:t>print(a)</a:t>
+            </a:r>
+          </a:p>
+          <a:p>
+            <a:endParaRPr lang="en-GB" sz="2800" dirty="0"/>
+          </a:p>
+        </p:txBody>
+      </p:sp>
+      <p:cxnSp>
+        <p:nvCxnSpPr>
+          <p:cNvPr id="59" name="Connector: Elbow 58">
+            <a:extLst>
+              <a:ext uri="{FF2B5EF4-FFF2-40B4-BE49-F238E27FC236}">
+                <a16:creationId xmlns:a16="http://schemas.microsoft.com/office/drawing/2014/main" id="{8BA1AEAF-3F50-570E-2B29-43BF34B63FBF}"/>
+              </a:ext>
+            </a:extLst>
+          </p:cNvPr>
+          <p:cNvCxnSpPr>
+            <a:cxnSpLocks/>
+            <a:stCxn id="53" idx="3"/>
+          </p:cNvCxnSpPr>
+          <p:nvPr/>
+        </p:nvCxnSpPr>
+        <p:spPr>
+          <a:xfrm>
+            <a:off x="10750491" y="3268524"/>
+            <a:ext cx="208328" cy="2363164"/>
+          </a:xfrm>
+          <a:prstGeom prst="bentConnector2">
+            <a:avLst/>
+          </a:prstGeom>
+          <a:ln w="12700">
+            <a:solidFill>
+              <a:schemeClr val="tx1"/>
+            </a:solidFill>
+            <a:tailEnd type="triangle"/>
+          </a:ln>
+        </p:spPr>
+        <p:style>
+          <a:lnRef idx="1">
+            <a:schemeClr val="accent1"/>
+          </a:lnRef>
+          <a:fillRef idx="0">
+            <a:schemeClr val="accent1"/>
+          </a:fillRef>
+          <a:effectRef idx="0">
+            <a:schemeClr val="accent1"/>
+          </a:effectRef>
+          <a:fontRef idx="minor">
+            <a:schemeClr val="tx1"/>
+          </a:fontRef>
+        </p:style>
+      </p:cxnSp>
+      <p:cxnSp>
+        <p:nvCxnSpPr>
+          <p:cNvPr id="64" name="Straight Arrow Connector 63">
+            <a:extLst>
+              <a:ext uri="{FF2B5EF4-FFF2-40B4-BE49-F238E27FC236}">
+                <a16:creationId xmlns:a16="http://schemas.microsoft.com/office/drawing/2014/main" id="{33B89F72-2092-2D10-17DA-A88C29C8E0A0}"/>
+              </a:ext>
+            </a:extLst>
+          </p:cNvPr>
+          <p:cNvCxnSpPr>
+            <a:stCxn id="53" idx="2"/>
+            <a:endCxn id="54" idx="0"/>
+          </p:cNvCxnSpPr>
+          <p:nvPr/>
+        </p:nvCxnSpPr>
+        <p:spPr>
+          <a:xfrm>
+            <a:off x="9916485" y="3689771"/>
+            <a:ext cx="0" cy="555409"/>
+          </a:xfrm>
+          <a:prstGeom prst="straightConnector1">
+            <a:avLst/>
+          </a:prstGeom>
+          <a:ln w="12700">
+            <a:solidFill>
+              <a:schemeClr val="tx1"/>
+            </a:solidFill>
+            <a:tailEnd type="triangle"/>
+          </a:ln>
+        </p:spPr>
+        <p:style>
+          <a:lnRef idx="1">
+            <a:schemeClr val="accent1"/>
+          </a:lnRef>
+          <a:fillRef idx="0">
+            <a:schemeClr val="accent1"/>
+          </a:fillRef>
+          <a:effectRef idx="0">
+            <a:schemeClr val="accent1"/>
+          </a:effectRef>
+          <a:fontRef idx="minor">
+            <a:schemeClr val="tx1"/>
+          </a:fontRef>
+        </p:style>
+      </p:cxnSp>
+      <p:cxnSp>
+        <p:nvCxnSpPr>
+          <p:cNvPr id="66" name="Straight Arrow Connector 65">
+            <a:extLst>
+              <a:ext uri="{FF2B5EF4-FFF2-40B4-BE49-F238E27FC236}">
+                <a16:creationId xmlns:a16="http://schemas.microsoft.com/office/drawing/2014/main" id="{22293496-852A-2726-8BE9-E7EE7771E4F3}"/>
+              </a:ext>
+            </a:extLst>
+          </p:cNvPr>
+          <p:cNvCxnSpPr>
+            <a:cxnSpLocks/>
+            <a:endCxn id="53" idx="0"/>
+          </p:cNvCxnSpPr>
+          <p:nvPr/>
+        </p:nvCxnSpPr>
+        <p:spPr>
+          <a:xfrm>
+            <a:off x="9916485" y="2501891"/>
+            <a:ext cx="0" cy="345385"/>
+          </a:xfrm>
+          <a:prstGeom prst="straightConnector1">
+            <a:avLst/>
+          </a:prstGeom>
+          <a:ln w="12700">
+            <a:solidFill>
+              <a:schemeClr val="tx1"/>
+            </a:solidFill>
+            <a:tailEnd type="triangle"/>
+          </a:ln>
+        </p:spPr>
+        <p:style>
+          <a:lnRef idx="1">
+            <a:schemeClr val="accent1"/>
+          </a:lnRef>
+          <a:fillRef idx="0">
+            <a:schemeClr val="accent1"/>
+          </a:fillRef>
+          <a:effectRef idx="0">
+            <a:schemeClr val="accent1"/>
+          </a:effectRef>
+          <a:fontRef idx="minor">
+            <a:schemeClr val="tx1"/>
+          </a:fontRef>
+        </p:style>
+      </p:cxnSp>
+      <p:cxnSp>
+        <p:nvCxnSpPr>
+          <p:cNvPr id="68" name="Straight Arrow Connector 67">
+            <a:extLst>
+              <a:ext uri="{FF2B5EF4-FFF2-40B4-BE49-F238E27FC236}">
+                <a16:creationId xmlns:a16="http://schemas.microsoft.com/office/drawing/2014/main" id="{C1126F96-D479-1A2E-24CC-3B1664ABD703}"/>
+              </a:ext>
+            </a:extLst>
+          </p:cNvPr>
+          <p:cNvCxnSpPr>
+            <a:cxnSpLocks/>
+            <a:endCxn id="13" idx="0"/>
+          </p:cNvCxnSpPr>
+          <p:nvPr/>
+        </p:nvCxnSpPr>
+        <p:spPr>
+          <a:xfrm>
+            <a:off x="1975607" y="1720227"/>
+            <a:ext cx="0" cy="546004"/>
+          </a:xfrm>
+          <a:prstGeom prst="straightConnector1">
+            <a:avLst/>
+          </a:prstGeom>
+          <a:ln w="12700">
+            <a:solidFill>
+              <a:schemeClr val="tx1"/>
+            </a:solidFill>
+            <a:tailEnd type="triangle"/>
+          </a:ln>
+        </p:spPr>
+        <p:style>
+          <a:lnRef idx="1">
+            <a:schemeClr val="accent1"/>
+          </a:lnRef>
+          <a:fillRef idx="0">
+            <a:schemeClr val="accent1"/>
+          </a:fillRef>
+          <a:effectRef idx="0">
+            <a:schemeClr val="accent1"/>
+          </a:effectRef>
+          <a:fontRef idx="minor">
+            <a:schemeClr val="tx1"/>
+          </a:fontRef>
+        </p:style>
+      </p:cxnSp>
+      <p:cxnSp>
+        <p:nvCxnSpPr>
+          <p:cNvPr id="73" name="Connector: Elbow 72">
+            <a:extLst>
+              <a:ext uri="{FF2B5EF4-FFF2-40B4-BE49-F238E27FC236}">
+                <a16:creationId xmlns:a16="http://schemas.microsoft.com/office/drawing/2014/main" id="{BC7ED85F-B679-99A0-C2A3-F85C2040D06A}"/>
+              </a:ext>
+            </a:extLst>
+          </p:cNvPr>
+          <p:cNvCxnSpPr>
+            <a:cxnSpLocks/>
+            <a:stCxn id="54" idx="1"/>
+            <a:endCxn id="53" idx="1"/>
+          </p:cNvCxnSpPr>
+          <p:nvPr/>
+        </p:nvCxnSpPr>
+        <p:spPr>
+          <a:xfrm rot="10800000">
+            <a:off x="9082479" y="3268525"/>
+            <a:ext cx="85986" cy="1240307"/>
+          </a:xfrm>
+          <a:prstGeom prst="bentConnector3">
+            <a:avLst>
+              <a:gd name="adj1" fmla="val 365857"/>
+            </a:avLst>
+          </a:prstGeom>
+          <a:ln w="12700">
+            <a:solidFill>
+              <a:schemeClr val="tx1"/>
+            </a:solidFill>
+            <a:tailEnd type="triangle"/>
+          </a:ln>
+        </p:spPr>
+        <p:style>
+          <a:lnRef idx="1">
+            <a:schemeClr val="accent1"/>
+          </a:lnRef>
+          <a:fillRef idx="0">
+            <a:schemeClr val="accent1"/>
+          </a:fillRef>
+          <a:effectRef idx="0">
+            <a:schemeClr val="accent1"/>
+          </a:effectRef>
+          <a:fontRef idx="minor">
+            <a:schemeClr val="tx1"/>
+          </a:fontRef>
+        </p:style>
+      </p:cxnSp>
+      <p:sp>
+        <p:nvSpPr>
+          <p:cNvPr id="8" name="TextBox 7">
+            <a:extLst>
+              <a:ext uri="{FF2B5EF4-FFF2-40B4-BE49-F238E27FC236}">
+                <a16:creationId xmlns:a16="http://schemas.microsoft.com/office/drawing/2014/main" id="{A4CDDE4E-8387-8A45-8702-CC72128EFFA2}"/>
+              </a:ext>
+            </a:extLst>
+          </p:cNvPr>
+          <p:cNvSpPr txBox="1"/>
+          <p:nvPr/>
+        </p:nvSpPr>
+        <p:spPr>
+          <a:xfrm>
+            <a:off x="4218553" y="3130703"/>
+            <a:ext cx="880981" cy="369332"/>
+          </a:xfrm>
+          <a:prstGeom prst="rect">
+            <a:avLst/>
+          </a:prstGeom>
+          <a:noFill/>
+        </p:spPr>
+        <p:txBody>
+          <a:bodyPr wrap="square" rtlCol="0">
+            <a:spAutoFit/>
+          </a:bodyPr>
+          <a:lstStyle/>
+          <a:p>
+            <a:r>
+              <a:rPr lang="de-DE" dirty="0">
+                <a:latin typeface="Simplified Arabic Fixed" panose="02070309020205020404" pitchFamily="49" charset="-78"/>
+                <a:cs typeface="Simplified Arabic Fixed" panose="02070309020205020404" pitchFamily="49" charset="-78"/>
+              </a:rPr>
+              <a:t>True</a:t>
+            </a:r>
+            <a:endParaRPr lang="en-GB" dirty="0">
+              <a:latin typeface="Simplified Arabic Fixed" panose="02070309020205020404" pitchFamily="49" charset="-78"/>
+              <a:cs typeface="Simplified Arabic Fixed" panose="02070309020205020404" pitchFamily="49" charset="-78"/>
+            </a:endParaRPr>
+          </a:p>
+        </p:txBody>
+      </p:sp>
+      <p:sp>
+        <p:nvSpPr>
+          <p:cNvPr id="11" name="TextBox 10">
+            <a:extLst>
+              <a:ext uri="{FF2B5EF4-FFF2-40B4-BE49-F238E27FC236}">
+                <a16:creationId xmlns:a16="http://schemas.microsoft.com/office/drawing/2014/main" id="{28E9F509-D298-A54F-9FFA-656F3286377D}"/>
+              </a:ext>
+            </a:extLst>
+          </p:cNvPr>
+          <p:cNvSpPr txBox="1"/>
+          <p:nvPr/>
+        </p:nvSpPr>
+        <p:spPr>
+          <a:xfrm>
+            <a:off x="6866185" y="3083857"/>
+            <a:ext cx="880981" cy="369332"/>
+          </a:xfrm>
+          <a:prstGeom prst="rect">
+            <a:avLst/>
+          </a:prstGeom>
+          <a:noFill/>
+        </p:spPr>
+        <p:txBody>
+          <a:bodyPr wrap="square" rtlCol="0">
+            <a:spAutoFit/>
+          </a:bodyPr>
+          <a:lstStyle/>
+          <a:p>
+            <a:r>
+              <a:rPr lang="de-DE" dirty="0">
+                <a:latin typeface="Simplified Arabic Fixed" panose="02070309020205020404" pitchFamily="49" charset="-78"/>
+                <a:cs typeface="Simplified Arabic Fixed" panose="02070309020205020404" pitchFamily="49" charset="-78"/>
+              </a:rPr>
+              <a:t>False</a:t>
+            </a:r>
+            <a:endParaRPr lang="en-GB" dirty="0">
+              <a:latin typeface="Simplified Arabic Fixed" panose="02070309020205020404" pitchFamily="49" charset="-78"/>
+              <a:cs typeface="Simplified Arabic Fixed" panose="02070309020205020404" pitchFamily="49" charset="-78"/>
+            </a:endParaRPr>
+          </a:p>
+        </p:txBody>
+      </p:sp>
+      <p:sp>
+        <p:nvSpPr>
+          <p:cNvPr id="12" name="TextBox 11">
+            <a:extLst>
+              <a:ext uri="{FF2B5EF4-FFF2-40B4-BE49-F238E27FC236}">
+                <a16:creationId xmlns:a16="http://schemas.microsoft.com/office/drawing/2014/main" id="{7611502D-E015-3760-1DA8-BA362E60A191}"/>
+              </a:ext>
+            </a:extLst>
+          </p:cNvPr>
+          <p:cNvSpPr txBox="1"/>
+          <p:nvPr/>
+        </p:nvSpPr>
+        <p:spPr>
+          <a:xfrm>
+            <a:off x="9846438" y="3713576"/>
+            <a:ext cx="880981" cy="369332"/>
+          </a:xfrm>
+          <a:prstGeom prst="rect">
+            <a:avLst/>
+          </a:prstGeom>
+          <a:noFill/>
+        </p:spPr>
+        <p:txBody>
+          <a:bodyPr wrap="square" rtlCol="0">
+            <a:spAutoFit/>
+          </a:bodyPr>
+          <a:lstStyle/>
+          <a:p>
+            <a:r>
+              <a:rPr lang="de-DE" dirty="0">
+                <a:latin typeface="Simplified Arabic Fixed" panose="02070309020205020404" pitchFamily="49" charset="-78"/>
+                <a:cs typeface="Simplified Arabic Fixed" panose="02070309020205020404" pitchFamily="49" charset="-78"/>
+              </a:rPr>
+              <a:t>False</a:t>
+            </a:r>
+            <a:endParaRPr lang="en-GB" dirty="0">
+              <a:latin typeface="Simplified Arabic Fixed" panose="02070309020205020404" pitchFamily="49" charset="-78"/>
+              <a:cs typeface="Simplified Arabic Fixed" panose="02070309020205020404" pitchFamily="49" charset="-78"/>
+            </a:endParaRPr>
+          </a:p>
+        </p:txBody>
+      </p:sp>
+      <p:sp>
+        <p:nvSpPr>
+          <p:cNvPr id="14" name="TextBox 13">
+            <a:extLst>
+              <a:ext uri="{FF2B5EF4-FFF2-40B4-BE49-F238E27FC236}">
+                <a16:creationId xmlns:a16="http://schemas.microsoft.com/office/drawing/2014/main" id="{253F84A4-BE20-A106-5F6D-73A0534199CC}"/>
+              </a:ext>
+            </a:extLst>
+          </p:cNvPr>
+          <p:cNvSpPr txBox="1"/>
+          <p:nvPr/>
+        </p:nvSpPr>
+        <p:spPr>
+          <a:xfrm>
+            <a:off x="10888774" y="3581428"/>
+            <a:ext cx="880981" cy="369332"/>
+          </a:xfrm>
+          <a:prstGeom prst="rect">
+            <a:avLst/>
+          </a:prstGeom>
+          <a:noFill/>
+        </p:spPr>
+        <p:txBody>
+          <a:bodyPr wrap="square" rtlCol="0">
+            <a:spAutoFit/>
+          </a:bodyPr>
+          <a:lstStyle/>
+          <a:p>
+            <a:r>
+              <a:rPr lang="de-DE" dirty="0">
+                <a:latin typeface="Simplified Arabic Fixed" panose="02070309020205020404" pitchFamily="49" charset="-78"/>
+                <a:cs typeface="Simplified Arabic Fixed" panose="02070309020205020404" pitchFamily="49" charset="-78"/>
+              </a:rPr>
+              <a:t>True</a:t>
+            </a:r>
+            <a:endParaRPr lang="en-GB" dirty="0">
+              <a:latin typeface="Simplified Arabic Fixed" panose="02070309020205020404" pitchFamily="49" charset="-78"/>
+              <a:cs typeface="Simplified Arabic Fixed" panose="02070309020205020404" pitchFamily="49" charset="-78"/>
+            </a:endParaRPr>
+          </a:p>
+        </p:txBody>
+      </p:sp>
+      <p:sp>
+        <p:nvSpPr>
+          <p:cNvPr id="15" name="Subtitle 2">
+            <a:extLst>
+              <a:ext uri="{FF2B5EF4-FFF2-40B4-BE49-F238E27FC236}">
+                <a16:creationId xmlns:a16="http://schemas.microsoft.com/office/drawing/2014/main" id="{4E62AF2B-F28D-772B-9F33-FC92C728184E}"/>
+              </a:ext>
+            </a:extLst>
+          </p:cNvPr>
+          <p:cNvSpPr txBox="1">
+            <a:spLocks/>
+          </p:cNvSpPr>
+          <p:nvPr/>
+        </p:nvSpPr>
+        <p:spPr>
+          <a:xfrm>
+            <a:off x="9168465" y="1959559"/>
+            <a:ext cx="1496039" cy="527301"/>
+          </a:xfrm>
+          <a:prstGeom prst="rect">
+            <a:avLst/>
+          </a:prstGeom>
+          <a:ln w="19050"/>
+        </p:spPr>
+        <p:style>
+          <a:lnRef idx="2">
+            <a:schemeClr val="dk1"/>
+          </a:lnRef>
+          <a:fillRef idx="1">
+            <a:schemeClr val="lt1"/>
+          </a:fillRef>
+          <a:effectRef idx="0">
+            <a:schemeClr val="dk1"/>
+          </a:effectRef>
+          <a:fontRef idx="minor">
+            <a:schemeClr val="dk1"/>
+          </a:fontRef>
+        </p:style>
+        <p:txBody>
+          <a:bodyPr vert="horz" lIns="91440" tIns="45720" rIns="91440" bIns="45720" rtlCol="0">
+            <a:normAutofit/>
+          </a:bodyPr>
+          <a:lstStyle>
+            <a:lvl1pPr marL="0" indent="0" algn="ctr" defTabSz="914400" rtl="0" eaLnBrk="1" latinLnBrk="0" hangingPunct="1">
+              <a:lnSpc>
+                <a:spcPct val="90000"/>
+              </a:lnSpc>
+              <a:spcBef>
+                <a:spcPts val="1000"/>
+              </a:spcBef>
+              <a:buFont typeface="Arial" panose="020B0604020202020204" pitchFamily="34" charset="0"/>
+              <a:buNone/>
+              <a:defRPr sz="2400" kern="1200">
+                <a:solidFill>
+                  <a:schemeClr val="tx1"/>
+                </a:solidFill>
+                <a:latin typeface="+mn-lt"/>
+                <a:ea typeface="+mn-ea"/>
+                <a:cs typeface="+mn-cs"/>
+              </a:defRPr>
+            </a:lvl1pPr>
+            <a:lvl2pPr marL="457200" indent="0" algn="ctr" defTabSz="914400" rtl="0" eaLnBrk="1" latinLnBrk="0" hangingPunct="1">
+              <a:lnSpc>
+                <a:spcPct val="90000"/>
+              </a:lnSpc>
+              <a:spcBef>
+                <a:spcPts val="500"/>
+              </a:spcBef>
+              <a:buFont typeface="Arial" panose="020B0604020202020204" pitchFamily="34" charset="0"/>
+              <a:buNone/>
+              <a:defRPr sz="2000" kern="1200">
+                <a:solidFill>
+                  <a:schemeClr val="tx1"/>
+                </a:solidFill>
+                <a:latin typeface="+mn-lt"/>
+                <a:ea typeface="+mn-ea"/>
+                <a:cs typeface="+mn-cs"/>
+              </a:defRPr>
+            </a:lvl2pPr>
+            <a:lvl3pPr marL="914400" indent="0" algn="ctr" defTabSz="914400" rtl="0" eaLnBrk="1" latinLnBrk="0" hangingPunct="1">
+              <a:lnSpc>
+                <a:spcPct val="90000"/>
+              </a:lnSpc>
+              <a:spcBef>
+                <a:spcPts val="500"/>
+              </a:spcBef>
+              <a:buFont typeface="Arial" panose="020B0604020202020204" pitchFamily="34" charset="0"/>
+              <a:buNone/>
+              <a:defRPr sz="1800" kern="1200">
+                <a:solidFill>
+                  <a:schemeClr val="tx1"/>
+                </a:solidFill>
+                <a:latin typeface="+mn-lt"/>
+                <a:ea typeface="+mn-ea"/>
+                <a:cs typeface="+mn-cs"/>
+              </a:defRPr>
+            </a:lvl3pPr>
+            <a:lvl4pPr marL="1371600" indent="0" algn="ctr" defTabSz="914400" rtl="0" eaLnBrk="1" latinLnBrk="0" hangingPunct="1">
+              <a:lnSpc>
+                <a:spcPct val="90000"/>
+              </a:lnSpc>
+              <a:spcBef>
+                <a:spcPts val="500"/>
+              </a:spcBef>
+              <a:buFont typeface="Arial" panose="020B0604020202020204" pitchFamily="34" charset="0"/>
+              <a:buNone/>
+              <a:defRPr sz="1600" kern="1200">
+                <a:solidFill>
+                  <a:schemeClr val="tx1"/>
+                </a:solidFill>
+                <a:latin typeface="+mn-lt"/>
+                <a:ea typeface="+mn-ea"/>
+                <a:cs typeface="+mn-cs"/>
+              </a:defRPr>
+            </a:lvl4pPr>
+            <a:lvl5pPr marL="1828800" indent="0" algn="ctr" defTabSz="914400" rtl="0" eaLnBrk="1" latinLnBrk="0" hangingPunct="1">
+              <a:lnSpc>
+                <a:spcPct val="90000"/>
+              </a:lnSpc>
+              <a:spcBef>
+                <a:spcPts val="500"/>
+              </a:spcBef>
+              <a:buFont typeface="Arial" panose="020B0604020202020204" pitchFamily="34" charset="0"/>
+              <a:buNone/>
+              <a:defRPr sz="1600" kern="1200">
+                <a:solidFill>
+                  <a:schemeClr val="tx1"/>
+                </a:solidFill>
+                <a:latin typeface="+mn-lt"/>
+                <a:ea typeface="+mn-ea"/>
+                <a:cs typeface="+mn-cs"/>
+              </a:defRPr>
+            </a:lvl5pPr>
+            <a:lvl6pPr marL="2286000" indent="0" algn="ctr" defTabSz="914400" rtl="0" eaLnBrk="1" latinLnBrk="0" hangingPunct="1">
+              <a:lnSpc>
+                <a:spcPct val="90000"/>
+              </a:lnSpc>
+              <a:spcBef>
+                <a:spcPts val="500"/>
+              </a:spcBef>
+              <a:buFont typeface="Arial" panose="020B0604020202020204" pitchFamily="34" charset="0"/>
+              <a:buNone/>
+              <a:defRPr sz="1600" kern="1200">
+                <a:solidFill>
+                  <a:schemeClr val="tx1"/>
+                </a:solidFill>
+                <a:latin typeface="+mn-lt"/>
+                <a:ea typeface="+mn-ea"/>
+                <a:cs typeface="+mn-cs"/>
+              </a:defRPr>
+            </a:lvl6pPr>
+            <a:lvl7pPr marL="2743200" indent="0" algn="ctr" defTabSz="914400" rtl="0" eaLnBrk="1" latinLnBrk="0" hangingPunct="1">
+              <a:lnSpc>
+                <a:spcPct val="90000"/>
+              </a:lnSpc>
+              <a:spcBef>
+                <a:spcPts val="500"/>
+              </a:spcBef>
+              <a:buFont typeface="Arial" panose="020B0604020202020204" pitchFamily="34" charset="0"/>
+              <a:buNone/>
+              <a:defRPr sz="1600" kern="1200">
+                <a:solidFill>
+                  <a:schemeClr val="tx1"/>
+                </a:solidFill>
+                <a:latin typeface="+mn-lt"/>
+                <a:ea typeface="+mn-ea"/>
+                <a:cs typeface="+mn-cs"/>
+              </a:defRPr>
+            </a:lvl7pPr>
+            <a:lvl8pPr marL="3200400" indent="0" algn="ctr" defTabSz="914400" rtl="0" eaLnBrk="1" latinLnBrk="0" hangingPunct="1">
+              <a:lnSpc>
+                <a:spcPct val="90000"/>
+              </a:lnSpc>
+              <a:spcBef>
+                <a:spcPts val="500"/>
+              </a:spcBef>
+              <a:buFont typeface="Arial" panose="020B0604020202020204" pitchFamily="34" charset="0"/>
+              <a:buNone/>
+              <a:defRPr sz="1600" kern="1200">
+                <a:solidFill>
+                  <a:schemeClr val="tx1"/>
+                </a:solidFill>
+                <a:latin typeface="+mn-lt"/>
+                <a:ea typeface="+mn-ea"/>
+                <a:cs typeface="+mn-cs"/>
+              </a:defRPr>
+            </a:lvl8pPr>
+            <a:lvl9pPr marL="3657600" indent="0" algn="ctr" defTabSz="914400" rtl="0" eaLnBrk="1" latinLnBrk="0" hangingPunct="1">
+              <a:lnSpc>
+                <a:spcPct val="90000"/>
+              </a:lnSpc>
+              <a:spcBef>
+                <a:spcPts val="500"/>
+              </a:spcBef>
+              <a:buFont typeface="Arial" panose="020B0604020202020204" pitchFamily="34" charset="0"/>
+              <a:buNone/>
+              <a:defRPr sz="1600" kern="1200">
+                <a:solidFill>
+                  <a:schemeClr val="tx1"/>
+                </a:solidFill>
+                <a:latin typeface="+mn-lt"/>
+                <a:ea typeface="+mn-ea"/>
+                <a:cs typeface="+mn-cs"/>
+              </a:defRPr>
+            </a:lvl9pPr>
+          </a:lstStyle>
+          <a:p>
+            <a:r>
+              <a:rPr lang="de-DE" sz="3000" b="1" dirty="0">
+                <a:latin typeface="Bahnschrift Light" panose="020B0502040204020203" pitchFamily="34" charset="0"/>
+              </a:rPr>
+              <a:t>a=1</a:t>
+            </a:r>
+          </a:p>
+          <a:p>
+            <a:endParaRPr lang="en-GB" sz="2800" dirty="0"/>
+          </a:p>
+        </p:txBody>
+      </p:sp>
+    </p:spTree>
+    <p:extLst>
+      <p:ext uri="{BB962C8B-B14F-4D97-AF65-F5344CB8AC3E}">
+        <p14:creationId xmlns:p14="http://schemas.microsoft.com/office/powerpoint/2010/main" val="165157762"/>
+      </p:ext>
+    </p:extLst>
+  </p:cSld>
+  <p:clrMapOvr>
+    <a:masterClrMapping/>
+  </p:clrMapOvr>
+</p:sld>
+</file>
+
 <file path=ppt/theme/theme1.xml><?xml version="1.0" encoding="utf-8"?>
 <a:theme xmlns:a="http://schemas.openxmlformats.org/drawingml/2006/main" name="Office Theme">
   <a:themeElements>
